--- a/man/manuscript/figures/figure 1 schematic.pptx
+++ b/man/manuscript/figures/figure 1 schematic.pptx
@@ -243,7 +243,7 @@
           <a:p>
             <a:fld id="{DD1C356E-5614-449E-8F90-F310717C40C4}" type="datetimeFigureOut">
               <a:rPr lang="en-US" smtClean="0"/>
-              <a:t>12/16/2021</a:t>
+              <a:t>1/21/2022</a:t>
             </a:fld>
             <a:endParaRPr lang="en-US"/>
           </a:p>
@@ -413,7 +413,7 @@
           <a:p>
             <a:fld id="{DD1C356E-5614-449E-8F90-F310717C40C4}" type="datetimeFigureOut">
               <a:rPr lang="en-US" smtClean="0"/>
-              <a:t>12/16/2021</a:t>
+              <a:t>1/21/2022</a:t>
             </a:fld>
             <a:endParaRPr lang="en-US"/>
           </a:p>
@@ -593,7 +593,7 @@
           <a:p>
             <a:fld id="{DD1C356E-5614-449E-8F90-F310717C40C4}" type="datetimeFigureOut">
               <a:rPr lang="en-US" smtClean="0"/>
-              <a:t>12/16/2021</a:t>
+              <a:t>1/21/2022</a:t>
             </a:fld>
             <a:endParaRPr lang="en-US"/>
           </a:p>
@@ -763,7 +763,7 @@
           <a:p>
             <a:fld id="{DD1C356E-5614-449E-8F90-F310717C40C4}" type="datetimeFigureOut">
               <a:rPr lang="en-US" smtClean="0"/>
-              <a:t>12/16/2021</a:t>
+              <a:t>1/21/2022</a:t>
             </a:fld>
             <a:endParaRPr lang="en-US"/>
           </a:p>
@@ -1007,7 +1007,7 @@
           <a:p>
             <a:fld id="{DD1C356E-5614-449E-8F90-F310717C40C4}" type="datetimeFigureOut">
               <a:rPr lang="en-US" smtClean="0"/>
-              <a:t>12/16/2021</a:t>
+              <a:t>1/21/2022</a:t>
             </a:fld>
             <a:endParaRPr lang="en-US"/>
           </a:p>
@@ -1239,7 +1239,7 @@
           <a:p>
             <a:fld id="{DD1C356E-5614-449E-8F90-F310717C40C4}" type="datetimeFigureOut">
               <a:rPr lang="en-US" smtClean="0"/>
-              <a:t>12/16/2021</a:t>
+              <a:t>1/21/2022</a:t>
             </a:fld>
             <a:endParaRPr lang="en-US"/>
           </a:p>
@@ -1606,7 +1606,7 @@
           <a:p>
             <a:fld id="{DD1C356E-5614-449E-8F90-F310717C40C4}" type="datetimeFigureOut">
               <a:rPr lang="en-US" smtClean="0"/>
-              <a:t>12/16/2021</a:t>
+              <a:t>1/21/2022</a:t>
             </a:fld>
             <a:endParaRPr lang="en-US"/>
           </a:p>
@@ -1724,7 +1724,7 @@
           <a:p>
             <a:fld id="{DD1C356E-5614-449E-8F90-F310717C40C4}" type="datetimeFigureOut">
               <a:rPr lang="en-US" smtClean="0"/>
-              <a:t>12/16/2021</a:t>
+              <a:t>1/21/2022</a:t>
             </a:fld>
             <a:endParaRPr lang="en-US"/>
           </a:p>
@@ -1819,7 +1819,7 @@
           <a:p>
             <a:fld id="{DD1C356E-5614-449E-8F90-F310717C40C4}" type="datetimeFigureOut">
               <a:rPr lang="en-US" smtClean="0"/>
-              <a:t>12/16/2021</a:t>
+              <a:t>1/21/2022</a:t>
             </a:fld>
             <a:endParaRPr lang="en-US"/>
           </a:p>
@@ -2096,7 +2096,7 @@
           <a:p>
             <a:fld id="{DD1C356E-5614-449E-8F90-F310717C40C4}" type="datetimeFigureOut">
               <a:rPr lang="en-US" smtClean="0"/>
-              <a:t>12/16/2021</a:t>
+              <a:t>1/21/2022</a:t>
             </a:fld>
             <a:endParaRPr lang="en-US"/>
           </a:p>
@@ -2353,7 +2353,7 @@
           <a:p>
             <a:fld id="{DD1C356E-5614-449E-8F90-F310717C40C4}" type="datetimeFigureOut">
               <a:rPr lang="en-US" smtClean="0"/>
-              <a:t>12/16/2021</a:t>
+              <a:t>1/21/2022</a:t>
             </a:fld>
             <a:endParaRPr lang="en-US"/>
           </a:p>
@@ -2566,7 +2566,7 @@
           <a:p>
             <a:fld id="{DD1C356E-5614-449E-8F90-F310717C40C4}" type="datetimeFigureOut">
               <a:rPr lang="en-US" smtClean="0"/>
-              <a:t>12/16/2021</a:t>
+              <a:t>1/21/2022</a:t>
             </a:fld>
             <a:endParaRPr lang="en-US"/>
           </a:p>
@@ -2973,10 +2973,10 @@
       </p:grpSpPr>
       <p:grpSp>
         <p:nvGrpSpPr>
-          <p:cNvPr id="3" name="Group 2">
+          <p:cNvPr id="15" name="Group 14">
             <a:extLst>
               <a:ext uri="{FF2B5EF4-FFF2-40B4-BE49-F238E27FC236}">
-                <a16:creationId xmlns:a16="http://schemas.microsoft.com/office/drawing/2014/main" id="{7E197CCA-5F45-4269-9FE9-62A83D98445E}"/>
+                <a16:creationId xmlns:a16="http://schemas.microsoft.com/office/drawing/2014/main" id="{502233EA-C26C-4EA2-8F78-FA637C83CEB0}"/>
               </a:ext>
             </a:extLst>
           </p:cNvPr>
@@ -2985,386 +2985,2030 @@
         </p:nvGrpSpPr>
         <p:grpSpPr>
           <a:xfrm>
-            <a:off x="351689" y="308286"/>
-            <a:ext cx="3867151" cy="5808960"/>
-            <a:chOff x="351689" y="308286"/>
-            <a:chExt cx="3867151" cy="5808960"/>
+            <a:off x="351689" y="260081"/>
+            <a:ext cx="3867151" cy="6248291"/>
+            <a:chOff x="351689" y="260081"/>
+            <a:chExt cx="3867151" cy="6248291"/>
           </a:xfrm>
         </p:grpSpPr>
-        <p:sp>
-          <p:nvSpPr>
-            <p:cNvPr id="105" name="Rectangle 104">
+        <p:grpSp>
+          <p:nvGrpSpPr>
+            <p:cNvPr id="3" name="Group 2">
               <a:extLst>
                 <a:ext uri="{FF2B5EF4-FFF2-40B4-BE49-F238E27FC236}">
-                  <a16:creationId xmlns:a16="http://schemas.microsoft.com/office/drawing/2014/main" id="{3DBDE5CC-B4C2-42AF-BE09-32244AFEAB12}"/>
+                  <a16:creationId xmlns:a16="http://schemas.microsoft.com/office/drawing/2014/main" id="{7E197CCA-5F45-4269-9FE9-62A83D98445E}"/>
                 </a:ext>
               </a:extLst>
             </p:cNvPr>
-            <p:cNvSpPr/>
+            <p:cNvGrpSpPr/>
             <p:nvPr/>
-          </p:nvSpPr>
-          <p:spPr>
+          </p:nvGrpSpPr>
+          <p:grpSpPr>
             <a:xfrm>
-              <a:off x="351690" y="4381502"/>
-              <a:ext cx="3867150" cy="1735744"/>
+              <a:off x="351689" y="260081"/>
+              <a:ext cx="3867151" cy="6215216"/>
+              <a:chOff x="351689" y="260081"/>
+              <a:chExt cx="3867151" cy="6215216"/>
             </a:xfrm>
-            <a:prstGeom prst="rect">
-              <a:avLst/>
-            </a:prstGeom>
-            <a:solidFill>
-              <a:schemeClr val="accent6">
-                <a:lumMod val="20000"/>
-                <a:lumOff val="80000"/>
-              </a:schemeClr>
-            </a:solidFill>
-            <a:ln>
+          </p:grpSpPr>
+          <p:sp>
+            <p:nvSpPr>
+              <p:cNvPr id="105" name="Rectangle 104">
+                <a:extLst>
+                  <a:ext uri="{FF2B5EF4-FFF2-40B4-BE49-F238E27FC236}">
+                    <a16:creationId xmlns:a16="http://schemas.microsoft.com/office/drawing/2014/main" id="{3DBDE5CC-B4C2-42AF-BE09-32244AFEAB12}"/>
+                  </a:ext>
+                </a:extLst>
+              </p:cNvPr>
+              <p:cNvSpPr/>
+              <p:nvPr/>
+            </p:nvSpPr>
+            <p:spPr>
+              <a:xfrm>
+                <a:off x="351690" y="5720600"/>
+                <a:ext cx="3867150" cy="754697"/>
+              </a:xfrm>
+              <a:prstGeom prst="rect">
+                <a:avLst/>
+              </a:prstGeom>
               <a:solidFill>
                 <a:schemeClr val="accent6">
-                  <a:lumMod val="50000"/>
+                  <a:lumMod val="20000"/>
+                  <a:lumOff val="80000"/>
                 </a:schemeClr>
               </a:solidFill>
-            </a:ln>
-          </p:spPr>
-          <p:style>
-            <a:lnRef idx="2">
-              <a:schemeClr val="accent1">
-                <a:shade val="50000"/>
-              </a:schemeClr>
-            </a:lnRef>
-            <a:fillRef idx="1">
-              <a:schemeClr val="accent1"/>
-            </a:fillRef>
-            <a:effectRef idx="0">
-              <a:schemeClr val="accent1"/>
-            </a:effectRef>
-            <a:fontRef idx="minor">
-              <a:schemeClr val="lt1"/>
-            </a:fontRef>
-          </p:style>
-          <p:txBody>
-            <a:bodyPr rtlCol="0" anchor="ctr"/>
-            <a:lstStyle/>
-            <a:p>
-              <a:pPr algn="ctr"/>
-              <a:endParaRPr lang="en-US" dirty="0"/>
-            </a:p>
-          </p:txBody>
-        </p:sp>
-        <p:sp>
-          <p:nvSpPr>
-            <p:cNvPr id="106" name="TextBox 105">
-              <a:extLst>
-                <a:ext uri="{FF2B5EF4-FFF2-40B4-BE49-F238E27FC236}">
-                  <a16:creationId xmlns:a16="http://schemas.microsoft.com/office/drawing/2014/main" id="{7E0FF29D-778B-4716-A440-440E602856A5}"/>
-                </a:ext>
-              </a:extLst>
-            </p:cNvPr>
-            <p:cNvSpPr txBox="1"/>
-            <p:nvPr/>
-          </p:nvSpPr>
-          <p:spPr>
-            <a:xfrm>
-              <a:off x="2938483" y="4388347"/>
-              <a:ext cx="1164358" cy="307777"/>
-            </a:xfrm>
-            <a:prstGeom prst="rect">
-              <a:avLst/>
-            </a:prstGeom>
-            <a:noFill/>
-          </p:spPr>
-          <p:txBody>
-            <a:bodyPr wrap="none" rtlCol="0">
-              <a:spAutoFit/>
-            </a:bodyPr>
-            <a:lstStyle/>
-            <a:p>
-              <a:r>
-                <a:rPr lang="en-US" sz="1400" b="1" dirty="0">
-                  <a:solidFill>
-                    <a:schemeClr val="accent6">
-                      <a:lumMod val="50000"/>
-                    </a:schemeClr>
-                  </a:solidFill>
-                </a:rPr>
-                <a:t>Data analysis</a:t>
-              </a:r>
-            </a:p>
-          </p:txBody>
-        </p:sp>
-        <p:sp>
-          <p:nvSpPr>
-            <p:cNvPr id="68" name="Rectangle 67">
-              <a:extLst>
-                <a:ext uri="{FF2B5EF4-FFF2-40B4-BE49-F238E27FC236}">
-                  <a16:creationId xmlns:a16="http://schemas.microsoft.com/office/drawing/2014/main" id="{96B15EB5-B1B8-48DD-9CFC-C06FBEE5F71C}"/>
-                </a:ext>
-              </a:extLst>
-            </p:cNvPr>
-            <p:cNvSpPr/>
-            <p:nvPr/>
-          </p:nvSpPr>
-          <p:spPr>
-            <a:xfrm>
-              <a:off x="351689" y="1705922"/>
-              <a:ext cx="3867149" cy="2671114"/>
-            </a:xfrm>
-            <a:prstGeom prst="rect">
-              <a:avLst/>
-            </a:prstGeom>
-            <a:solidFill>
-              <a:schemeClr val="accent2">
-                <a:lumMod val="20000"/>
-                <a:lumOff val="80000"/>
-              </a:schemeClr>
-            </a:solidFill>
-            <a:ln>
+              <a:ln>
+                <a:solidFill>
+                  <a:schemeClr val="accent6">
+                    <a:lumMod val="50000"/>
+                  </a:schemeClr>
+                </a:solidFill>
+              </a:ln>
+            </p:spPr>
+            <p:style>
+              <a:lnRef idx="2">
+                <a:schemeClr val="accent1">
+                  <a:shade val="50000"/>
+                </a:schemeClr>
+              </a:lnRef>
+              <a:fillRef idx="1">
+                <a:schemeClr val="accent1"/>
+              </a:fillRef>
+              <a:effectRef idx="0">
+                <a:schemeClr val="accent1"/>
+              </a:effectRef>
+              <a:fontRef idx="minor">
+                <a:schemeClr val="lt1"/>
+              </a:fontRef>
+            </p:style>
+            <p:txBody>
+              <a:bodyPr rtlCol="0" anchor="ctr"/>
+              <a:lstStyle/>
+              <a:p>
+                <a:pPr algn="ctr"/>
+                <a:endParaRPr lang="en-US" dirty="0"/>
+              </a:p>
+            </p:txBody>
+          </p:sp>
+          <p:sp>
+            <p:nvSpPr>
+              <p:cNvPr id="106" name="TextBox 105">
+                <a:extLst>
+                  <a:ext uri="{FF2B5EF4-FFF2-40B4-BE49-F238E27FC236}">
+                    <a16:creationId xmlns:a16="http://schemas.microsoft.com/office/drawing/2014/main" id="{7E0FF29D-778B-4716-A440-440E602856A5}"/>
+                  </a:ext>
+                </a:extLst>
+              </p:cNvPr>
+              <p:cNvSpPr txBox="1"/>
+              <p:nvPr/>
+            </p:nvSpPr>
+            <p:spPr>
+              <a:xfrm>
+                <a:off x="2812355" y="5720600"/>
+                <a:ext cx="1164358" cy="307777"/>
+              </a:xfrm>
+              <a:prstGeom prst="rect">
+                <a:avLst/>
+              </a:prstGeom>
+              <a:noFill/>
+            </p:spPr>
+            <p:txBody>
+              <a:bodyPr wrap="none" rtlCol="0">
+                <a:spAutoFit/>
+              </a:bodyPr>
+              <a:lstStyle/>
+              <a:p>
+                <a:r>
+                  <a:rPr lang="en-US" sz="1400" b="1" dirty="0">
+                    <a:solidFill>
+                      <a:schemeClr val="accent6">
+                        <a:lumMod val="50000"/>
+                      </a:schemeClr>
+                    </a:solidFill>
+                  </a:rPr>
+                  <a:t>Data analysis</a:t>
+                </a:r>
+              </a:p>
+            </p:txBody>
+          </p:sp>
+          <p:sp>
+            <p:nvSpPr>
+              <p:cNvPr id="68" name="Rectangle 67">
+                <a:extLst>
+                  <a:ext uri="{FF2B5EF4-FFF2-40B4-BE49-F238E27FC236}">
+                    <a16:creationId xmlns:a16="http://schemas.microsoft.com/office/drawing/2014/main" id="{96B15EB5-B1B8-48DD-9CFC-C06FBEE5F71C}"/>
+                  </a:ext>
+                </a:extLst>
+              </p:cNvPr>
+              <p:cNvSpPr/>
+              <p:nvPr/>
+            </p:nvSpPr>
+            <p:spPr>
+              <a:xfrm>
+                <a:off x="351689" y="1705922"/>
+                <a:ext cx="3867149" cy="4014678"/>
+              </a:xfrm>
+              <a:prstGeom prst="rect">
+                <a:avLst/>
+              </a:prstGeom>
               <a:solidFill>
                 <a:schemeClr val="accent2">
-                  <a:lumMod val="50000"/>
+                  <a:lumMod val="20000"/>
+                  <a:lumOff val="80000"/>
                 </a:schemeClr>
               </a:solidFill>
-            </a:ln>
-          </p:spPr>
-          <p:style>
-            <a:lnRef idx="2">
-              <a:schemeClr val="accent1">
-                <a:shade val="50000"/>
-              </a:schemeClr>
-            </a:lnRef>
-            <a:fillRef idx="1">
-              <a:schemeClr val="accent1"/>
-            </a:fillRef>
-            <a:effectRef idx="0">
-              <a:schemeClr val="accent1"/>
-            </a:effectRef>
-            <a:fontRef idx="minor">
-              <a:schemeClr val="lt1"/>
-            </a:fontRef>
-          </p:style>
-          <p:txBody>
-            <a:bodyPr rtlCol="0" anchor="ctr"/>
-            <a:lstStyle/>
-            <a:p>
-              <a:pPr algn="ctr"/>
-              <a:endParaRPr lang="en-US" dirty="0"/>
-            </a:p>
-          </p:txBody>
-        </p:sp>
-        <p:sp>
-          <p:nvSpPr>
-            <p:cNvPr id="66" name="Rectangle 65">
-              <a:extLst>
-                <a:ext uri="{FF2B5EF4-FFF2-40B4-BE49-F238E27FC236}">
-                  <a16:creationId xmlns:a16="http://schemas.microsoft.com/office/drawing/2014/main" id="{10B5C3D8-5EA6-430B-AC20-FCBBD845B4BB}"/>
-                </a:ext>
-              </a:extLst>
-            </p:cNvPr>
-            <p:cNvSpPr/>
-            <p:nvPr/>
-          </p:nvSpPr>
-          <p:spPr>
-            <a:xfrm>
-              <a:off x="351690" y="316521"/>
-              <a:ext cx="3867148" cy="1384935"/>
-            </a:xfrm>
-            <a:prstGeom prst="rect">
-              <a:avLst/>
-            </a:prstGeom>
-            <a:solidFill>
-              <a:schemeClr val="accent1">
-                <a:lumMod val="20000"/>
-                <a:lumOff val="80000"/>
-              </a:schemeClr>
-            </a:solidFill>
-            <a:ln>
+              <a:ln>
+                <a:solidFill>
+                  <a:schemeClr val="accent2">
+                    <a:lumMod val="50000"/>
+                  </a:schemeClr>
+                </a:solidFill>
+              </a:ln>
+            </p:spPr>
+            <p:style>
+              <a:lnRef idx="2">
+                <a:schemeClr val="accent1">
+                  <a:shade val="50000"/>
+                </a:schemeClr>
+              </a:lnRef>
+              <a:fillRef idx="1">
+                <a:schemeClr val="accent1"/>
+              </a:fillRef>
+              <a:effectRef idx="0">
+                <a:schemeClr val="accent1"/>
+              </a:effectRef>
+              <a:fontRef idx="minor">
+                <a:schemeClr val="lt1"/>
+              </a:fontRef>
+            </p:style>
+            <p:txBody>
+              <a:bodyPr rtlCol="0" anchor="ctr"/>
+              <a:lstStyle/>
+              <a:p>
+                <a:pPr algn="ctr"/>
+                <a:endParaRPr lang="en-US" dirty="0"/>
+              </a:p>
+            </p:txBody>
+          </p:sp>
+          <p:sp>
+            <p:nvSpPr>
+              <p:cNvPr id="66" name="Rectangle 65">
+                <a:extLst>
+                  <a:ext uri="{FF2B5EF4-FFF2-40B4-BE49-F238E27FC236}">
+                    <a16:creationId xmlns:a16="http://schemas.microsoft.com/office/drawing/2014/main" id="{10B5C3D8-5EA6-430B-AC20-FCBBD845B4BB}"/>
+                  </a:ext>
+                </a:extLst>
+              </p:cNvPr>
+              <p:cNvSpPr/>
+              <p:nvPr/>
+            </p:nvSpPr>
+            <p:spPr>
+              <a:xfrm>
+                <a:off x="351690" y="260081"/>
+                <a:ext cx="3867148" cy="1441376"/>
+              </a:xfrm>
+              <a:prstGeom prst="rect">
+                <a:avLst/>
+              </a:prstGeom>
               <a:solidFill>
                 <a:schemeClr val="accent1">
-                  <a:lumMod val="50000"/>
+                  <a:lumMod val="20000"/>
+                  <a:lumOff val="80000"/>
                 </a:schemeClr>
               </a:solidFill>
-            </a:ln>
-          </p:spPr>
-          <p:style>
-            <a:lnRef idx="2">
-              <a:schemeClr val="accent1">
-                <a:shade val="50000"/>
-              </a:schemeClr>
-            </a:lnRef>
-            <a:fillRef idx="1">
-              <a:schemeClr val="accent1"/>
-            </a:fillRef>
-            <a:effectRef idx="0">
-              <a:schemeClr val="accent1"/>
-            </a:effectRef>
-            <a:fontRef idx="minor">
-              <a:schemeClr val="lt1"/>
-            </a:fontRef>
-          </p:style>
-          <p:txBody>
-            <a:bodyPr rtlCol="0" anchor="ctr"/>
-            <a:lstStyle/>
-            <a:p>
-              <a:pPr algn="ctr"/>
-              <a:endParaRPr lang="en-US" dirty="0"/>
-            </a:p>
-          </p:txBody>
-        </p:sp>
-        <p:sp>
-          <p:nvSpPr>
-            <p:cNvPr id="4" name="Rectangle: Rounded Corners 3">
-              <a:extLst>
-                <a:ext uri="{FF2B5EF4-FFF2-40B4-BE49-F238E27FC236}">
-                  <a16:creationId xmlns:a16="http://schemas.microsoft.com/office/drawing/2014/main" id="{55C2A0A9-03DC-4353-8F51-DB6FF404BBE8}"/>
-                </a:ext>
-              </a:extLst>
-            </p:cNvPr>
-            <p:cNvSpPr/>
-            <p:nvPr/>
-          </p:nvSpPr>
-          <p:spPr>
-            <a:xfrm>
-              <a:off x="723324" y="353605"/>
-              <a:ext cx="1711325" cy="209860"/>
-            </a:xfrm>
-            <a:prstGeom prst="roundRect">
-              <a:avLst/>
-            </a:prstGeom>
-            <a:solidFill>
-              <a:schemeClr val="bg1">
-                <a:lumMod val="75000"/>
-              </a:schemeClr>
-            </a:solidFill>
-            <a:ln>
+              <a:ln>
+                <a:solidFill>
+                  <a:schemeClr val="accent1">
+                    <a:lumMod val="50000"/>
+                  </a:schemeClr>
+                </a:solidFill>
+              </a:ln>
+            </p:spPr>
+            <p:style>
+              <a:lnRef idx="2">
+                <a:schemeClr val="accent1">
+                  <a:shade val="50000"/>
+                </a:schemeClr>
+              </a:lnRef>
+              <a:fillRef idx="1">
+                <a:schemeClr val="accent1"/>
+              </a:fillRef>
+              <a:effectRef idx="0">
+                <a:schemeClr val="accent1"/>
+              </a:effectRef>
+              <a:fontRef idx="minor">
+                <a:schemeClr val="lt1"/>
+              </a:fontRef>
+            </p:style>
+            <p:txBody>
+              <a:bodyPr rtlCol="0" anchor="ctr"/>
+              <a:lstStyle/>
+              <a:p>
+                <a:pPr algn="ctr"/>
+                <a:endParaRPr lang="en-US" dirty="0"/>
+              </a:p>
+            </p:txBody>
+          </p:sp>
+          <p:sp>
+            <p:nvSpPr>
+              <p:cNvPr id="4" name="Rectangle: Rounded Corners 3">
+                <a:extLst>
+                  <a:ext uri="{FF2B5EF4-FFF2-40B4-BE49-F238E27FC236}">
+                    <a16:creationId xmlns:a16="http://schemas.microsoft.com/office/drawing/2014/main" id="{55C2A0A9-03DC-4353-8F51-DB6FF404BBE8}"/>
+                  </a:ext>
+                </a:extLst>
+              </p:cNvPr>
+              <p:cNvSpPr/>
+              <p:nvPr/>
+            </p:nvSpPr>
+            <p:spPr>
+              <a:xfrm>
+                <a:off x="723324" y="353605"/>
+                <a:ext cx="1711325" cy="209860"/>
+              </a:xfrm>
+              <a:prstGeom prst="roundRect">
+                <a:avLst/>
+              </a:prstGeom>
               <a:solidFill>
-                <a:schemeClr val="tx1"/>
+                <a:schemeClr val="bg1">
+                  <a:lumMod val="75000"/>
+                </a:schemeClr>
               </a:solidFill>
-            </a:ln>
-          </p:spPr>
-          <p:style>
-            <a:lnRef idx="2">
-              <a:schemeClr val="accent1">
-                <a:shade val="50000"/>
-              </a:schemeClr>
-            </a:lnRef>
-            <a:fillRef idx="1">
-              <a:schemeClr val="accent1"/>
-            </a:fillRef>
-            <a:effectRef idx="0">
-              <a:schemeClr val="accent1"/>
-            </a:effectRef>
-            <a:fontRef idx="minor">
-              <a:schemeClr val="lt1"/>
-            </a:fontRef>
-          </p:style>
-          <p:txBody>
-            <a:bodyPr rtlCol="0" anchor="ctr"/>
-            <a:lstStyle/>
-            <a:p>
-              <a:pPr algn="ctr"/>
-              <a:r>
-                <a:rPr lang="en-US" sz="1200" b="1" dirty="0">
+              <a:ln>
+                <a:solidFill>
+                  <a:schemeClr val="tx1"/>
+                </a:solidFill>
+              </a:ln>
+            </p:spPr>
+            <p:style>
+              <a:lnRef idx="2">
+                <a:schemeClr val="accent1">
+                  <a:shade val="50000"/>
+                </a:schemeClr>
+              </a:lnRef>
+              <a:fillRef idx="1">
+                <a:schemeClr val="accent1"/>
+              </a:fillRef>
+              <a:effectRef idx="0">
+                <a:schemeClr val="accent1"/>
+              </a:effectRef>
+              <a:fontRef idx="minor">
+                <a:schemeClr val="lt1"/>
+              </a:fontRef>
+            </p:style>
+            <p:txBody>
+              <a:bodyPr rtlCol="0" anchor="ctr"/>
+              <a:lstStyle/>
+              <a:p>
+                <a:pPr algn="ctr"/>
+                <a:r>
+                  <a:rPr lang="en-US" sz="1200" b="1" dirty="0">
+                    <a:solidFill>
+                      <a:schemeClr val="tx1"/>
+                    </a:solidFill>
+                  </a:rPr>
+                  <a:t>User’s sample locations</a:t>
+                </a:r>
+              </a:p>
+            </p:txBody>
+          </p:sp>
+          <p:sp>
+            <p:nvSpPr>
+              <p:cNvPr id="5" name="Rectangle: Rounded Corners 4">
+                <a:extLst>
+                  <a:ext uri="{FF2B5EF4-FFF2-40B4-BE49-F238E27FC236}">
+                    <a16:creationId xmlns:a16="http://schemas.microsoft.com/office/drawing/2014/main" id="{A0AA8BBF-ACC1-4495-A01B-5B33F3246BCD}"/>
+                  </a:ext>
+                </a:extLst>
+              </p:cNvPr>
+              <p:cNvSpPr/>
+              <p:nvPr/>
+            </p:nvSpPr>
+            <p:spPr>
+              <a:xfrm>
+                <a:off x="2125246" y="948355"/>
+                <a:ext cx="1600200" cy="182880"/>
+              </a:xfrm>
+              <a:prstGeom prst="roundRect">
+                <a:avLst/>
+              </a:prstGeom>
+              <a:solidFill>
+                <a:schemeClr val="bg1">
+                  <a:lumMod val="95000"/>
+                </a:schemeClr>
+              </a:solidFill>
+              <a:ln>
+                <a:solidFill>
+                  <a:schemeClr val="tx1"/>
+                </a:solidFill>
+              </a:ln>
+            </p:spPr>
+            <p:style>
+              <a:lnRef idx="2">
+                <a:schemeClr val="accent1">
+                  <a:shade val="50000"/>
+                </a:schemeClr>
+              </a:lnRef>
+              <a:fillRef idx="1">
+                <a:schemeClr val="accent1"/>
+              </a:fillRef>
+              <a:effectRef idx="0">
+                <a:schemeClr val="accent1"/>
+              </a:effectRef>
+              <a:fontRef idx="minor">
+                <a:schemeClr val="lt1"/>
+              </a:fontRef>
+            </p:style>
+            <p:txBody>
+              <a:bodyPr rtlCol="0" anchor="ctr"/>
+              <a:lstStyle/>
+              <a:p>
+                <a:pPr algn="ctr"/>
+                <a:r>
+                  <a:rPr lang="en-US" sz="1200" dirty="0" err="1">
+                    <a:solidFill>
+                      <a:schemeClr val="tx1"/>
+                    </a:solidFill>
+                  </a:rPr>
+                  <a:t>lsat_get_pixel_center</a:t>
+                </a:r>
+                <a:endParaRPr lang="en-US" sz="1200" dirty="0">
                   <a:solidFill>
                     <a:schemeClr val="tx1"/>
                   </a:solidFill>
-                </a:rPr>
-                <a:t>User’s sample locations</a:t>
-              </a:r>
-            </a:p>
-          </p:txBody>
-        </p:sp>
-        <p:sp>
-          <p:nvSpPr>
-            <p:cNvPr id="5" name="Rectangle: Rounded Corners 4">
-              <a:extLst>
-                <a:ext uri="{FF2B5EF4-FFF2-40B4-BE49-F238E27FC236}">
-                  <a16:creationId xmlns:a16="http://schemas.microsoft.com/office/drawing/2014/main" id="{A0AA8BBF-ACC1-4495-A01B-5B33F3246BCD}"/>
-                </a:ext>
-              </a:extLst>
-            </p:cNvPr>
-            <p:cNvSpPr/>
-            <p:nvPr/>
-          </p:nvSpPr>
-          <p:spPr>
-            <a:xfrm>
-              <a:off x="2125246" y="948355"/>
-              <a:ext cx="1600200" cy="182880"/>
-            </a:xfrm>
-            <a:prstGeom prst="roundRect">
-              <a:avLst/>
-            </a:prstGeom>
-            <a:solidFill>
-              <a:schemeClr val="bg1">
-                <a:lumMod val="95000"/>
-              </a:schemeClr>
-            </a:solidFill>
-            <a:ln>
+                </a:endParaRPr>
+              </a:p>
+            </p:txBody>
+          </p:sp>
+          <p:cxnSp>
+            <p:nvCxnSpPr>
+              <p:cNvPr id="10" name="Connector: Elbow 9">
+                <a:extLst>
+                  <a:ext uri="{FF2B5EF4-FFF2-40B4-BE49-F238E27FC236}">
+                    <a16:creationId xmlns:a16="http://schemas.microsoft.com/office/drawing/2014/main" id="{5CFAFAD9-3EEF-430F-82F6-7173ADA0E0E7}"/>
+                  </a:ext>
+                </a:extLst>
+              </p:cNvPr>
+              <p:cNvCxnSpPr>
+                <a:cxnSpLocks/>
+                <a:stCxn id="4" idx="2"/>
+                <a:endCxn id="5" idx="0"/>
+              </p:cNvCxnSpPr>
+              <p:nvPr/>
+            </p:nvCxnSpPr>
+            <p:spPr>
+              <a:xfrm rot="16200000" flipH="1">
+                <a:off x="2059721" y="82730"/>
+                <a:ext cx="384890" cy="1346359"/>
+              </a:xfrm>
+              <a:prstGeom prst="bentConnector3">
+                <a:avLst>
+                  <a:gd name="adj1" fmla="val 50000"/>
+                </a:avLst>
+              </a:prstGeom>
+              <a:ln>
+                <a:tailEnd type="triangle"/>
+              </a:ln>
+            </p:spPr>
+            <p:style>
+              <a:lnRef idx="1">
+                <a:schemeClr val="dk1"/>
+              </a:lnRef>
+              <a:fillRef idx="0">
+                <a:schemeClr val="dk1"/>
+              </a:fillRef>
+              <a:effectRef idx="0">
+                <a:schemeClr val="dk1"/>
+              </a:effectRef>
+              <a:fontRef idx="minor">
+                <a:schemeClr val="tx1"/>
+              </a:fontRef>
+            </p:style>
+          </p:cxnSp>
+          <p:sp>
+            <p:nvSpPr>
+              <p:cNvPr id="12" name="Rectangle: Rounded Corners 11">
+                <a:extLst>
+                  <a:ext uri="{FF2B5EF4-FFF2-40B4-BE49-F238E27FC236}">
+                    <a16:creationId xmlns:a16="http://schemas.microsoft.com/office/drawing/2014/main" id="{CFFE8495-BA48-4DB7-BB23-19A0DD2C58B8}"/>
+                  </a:ext>
+                </a:extLst>
+              </p:cNvPr>
+              <p:cNvSpPr/>
+              <p:nvPr/>
+            </p:nvSpPr>
+            <p:spPr>
+              <a:xfrm>
+                <a:off x="778886" y="1456346"/>
+                <a:ext cx="1600200" cy="182880"/>
+              </a:xfrm>
+              <a:prstGeom prst="roundRect">
+                <a:avLst/>
+              </a:prstGeom>
               <a:solidFill>
-                <a:schemeClr val="tx1"/>
+                <a:schemeClr val="bg1">
+                  <a:lumMod val="95000"/>
+                </a:schemeClr>
               </a:solidFill>
-            </a:ln>
-          </p:spPr>
-          <p:style>
-            <a:lnRef idx="2">
-              <a:schemeClr val="accent1">
-                <a:shade val="50000"/>
-              </a:schemeClr>
-            </a:lnRef>
-            <a:fillRef idx="1">
-              <a:schemeClr val="accent1"/>
-            </a:fillRef>
-            <a:effectRef idx="0">
-              <a:schemeClr val="accent1"/>
-            </a:effectRef>
-            <a:fontRef idx="minor">
-              <a:schemeClr val="lt1"/>
-            </a:fontRef>
-          </p:style>
-          <p:txBody>
-            <a:bodyPr rtlCol="0" anchor="ctr"/>
-            <a:lstStyle/>
-            <a:p>
-              <a:pPr algn="ctr"/>
-              <a:r>
-                <a:rPr lang="en-US" sz="1200" dirty="0" err="1">
+              <a:ln>
+                <a:solidFill>
+                  <a:schemeClr val="tx1"/>
+                </a:solidFill>
+              </a:ln>
+            </p:spPr>
+            <p:style>
+              <a:lnRef idx="2">
+                <a:schemeClr val="accent1">
+                  <a:shade val="50000"/>
+                </a:schemeClr>
+              </a:lnRef>
+              <a:fillRef idx="1">
+                <a:schemeClr val="accent1"/>
+              </a:fillRef>
+              <a:effectRef idx="0">
+                <a:schemeClr val="accent1"/>
+              </a:effectRef>
+              <a:fontRef idx="minor">
+                <a:schemeClr val="lt1"/>
+              </a:fontRef>
+            </p:style>
+            <p:txBody>
+              <a:bodyPr rtlCol="0" anchor="ctr"/>
+              <a:lstStyle/>
+              <a:p>
+                <a:pPr algn="ctr"/>
+                <a:r>
+                  <a:rPr lang="en-US" sz="1200" dirty="0" err="1">
+                    <a:solidFill>
+                      <a:schemeClr val="tx1"/>
+                    </a:solidFill>
+                  </a:rPr>
+                  <a:t>lsat_download_ts</a:t>
+                </a:r>
+                <a:endParaRPr lang="en-US" sz="1200" dirty="0">
                   <a:solidFill>
                     <a:schemeClr val="tx1"/>
                   </a:solidFill>
-                </a:rPr>
-                <a:t>lsat_get_pixel_center</a:t>
-              </a:r>
-              <a:endParaRPr lang="en-US" sz="1200" dirty="0">
+                </a:endParaRPr>
+              </a:p>
+            </p:txBody>
+          </p:sp>
+          <p:cxnSp>
+            <p:nvCxnSpPr>
+              <p:cNvPr id="13" name="Connector: Elbow 12">
+                <a:extLst>
+                  <a:ext uri="{FF2B5EF4-FFF2-40B4-BE49-F238E27FC236}">
+                    <a16:creationId xmlns:a16="http://schemas.microsoft.com/office/drawing/2014/main" id="{03851527-D339-4ACA-B874-69223CCBA27A}"/>
+                  </a:ext>
+                </a:extLst>
+              </p:cNvPr>
+              <p:cNvCxnSpPr>
+                <a:cxnSpLocks/>
+                <a:stCxn id="5" idx="2"/>
+                <a:endCxn id="12" idx="0"/>
+              </p:cNvCxnSpPr>
+              <p:nvPr/>
+            </p:nvCxnSpPr>
+            <p:spPr>
+              <a:xfrm rot="5400000">
+                <a:off x="2089611" y="620610"/>
+                <a:ext cx="325111" cy="1346360"/>
+              </a:xfrm>
+              <a:prstGeom prst="bentConnector3">
+                <a:avLst>
+                  <a:gd name="adj1" fmla="val 50000"/>
+                </a:avLst>
+              </a:prstGeom>
+              <a:ln>
+                <a:tailEnd type="triangle"/>
+              </a:ln>
+            </p:spPr>
+            <p:style>
+              <a:lnRef idx="1">
+                <a:schemeClr val="dk1"/>
+              </a:lnRef>
+              <a:fillRef idx="0">
+                <a:schemeClr val="dk1"/>
+              </a:fillRef>
+              <a:effectRef idx="0">
+                <a:schemeClr val="dk1"/>
+              </a:effectRef>
+              <a:fontRef idx="minor">
+                <a:schemeClr val="tx1"/>
+              </a:fontRef>
+            </p:style>
+          </p:cxnSp>
+          <p:sp>
+            <p:nvSpPr>
+              <p:cNvPr id="19" name="Rectangle: Rounded Corners 18">
+                <a:extLst>
+                  <a:ext uri="{FF2B5EF4-FFF2-40B4-BE49-F238E27FC236}">
+                    <a16:creationId xmlns:a16="http://schemas.microsoft.com/office/drawing/2014/main" id="{095A6052-B8E6-4441-84BA-9AF2462D04EF}"/>
+                  </a:ext>
+                </a:extLst>
+              </p:cNvPr>
+              <p:cNvSpPr/>
+              <p:nvPr/>
+            </p:nvSpPr>
+            <p:spPr>
+              <a:xfrm>
+                <a:off x="778886" y="1818931"/>
+                <a:ext cx="1600200" cy="182880"/>
+              </a:xfrm>
+              <a:prstGeom prst="roundRect">
+                <a:avLst/>
+              </a:prstGeom>
+              <a:solidFill>
+                <a:schemeClr val="bg1">
+                  <a:lumMod val="95000"/>
+                </a:schemeClr>
+              </a:solidFill>
+              <a:ln>
                 <a:solidFill>
                   <a:schemeClr val="tx1"/>
                 </a:solidFill>
-              </a:endParaRPr>
-            </a:p>
-          </p:txBody>
-        </p:sp>
+              </a:ln>
+            </p:spPr>
+            <p:style>
+              <a:lnRef idx="2">
+                <a:schemeClr val="accent1">
+                  <a:shade val="50000"/>
+                </a:schemeClr>
+              </a:lnRef>
+              <a:fillRef idx="1">
+                <a:schemeClr val="accent1"/>
+              </a:fillRef>
+              <a:effectRef idx="0">
+                <a:schemeClr val="accent1"/>
+              </a:effectRef>
+              <a:fontRef idx="minor">
+                <a:schemeClr val="lt1"/>
+              </a:fontRef>
+            </p:style>
+            <p:txBody>
+              <a:bodyPr rtlCol="0" anchor="ctr"/>
+              <a:lstStyle/>
+              <a:p>
+                <a:pPr algn="ctr"/>
+                <a:r>
+                  <a:rPr lang="en-US" sz="1200" dirty="0" err="1">
+                    <a:solidFill>
+                      <a:schemeClr val="tx1"/>
+                    </a:solidFill>
+                  </a:rPr>
+                  <a:t>lsat_general_prep</a:t>
+                </a:r>
+                <a:endParaRPr lang="en-US" sz="1200" dirty="0">
+                  <a:solidFill>
+                    <a:schemeClr val="tx1"/>
+                  </a:solidFill>
+                </a:endParaRPr>
+              </a:p>
+            </p:txBody>
+          </p:sp>
+          <p:cxnSp>
+            <p:nvCxnSpPr>
+              <p:cNvPr id="21" name="Straight Arrow Connector 20">
+                <a:extLst>
+                  <a:ext uri="{FF2B5EF4-FFF2-40B4-BE49-F238E27FC236}">
+                    <a16:creationId xmlns:a16="http://schemas.microsoft.com/office/drawing/2014/main" id="{20BE7F0F-871D-417B-ADFC-34484A15B486}"/>
+                  </a:ext>
+                </a:extLst>
+              </p:cNvPr>
+              <p:cNvCxnSpPr>
+                <a:cxnSpLocks/>
+                <a:stCxn id="12" idx="2"/>
+                <a:endCxn id="19" idx="0"/>
+              </p:cNvCxnSpPr>
+              <p:nvPr/>
+            </p:nvCxnSpPr>
+            <p:spPr>
+              <a:xfrm>
+                <a:off x="1578986" y="1639226"/>
+                <a:ext cx="0" cy="179705"/>
+              </a:xfrm>
+              <a:prstGeom prst="straightConnector1">
+                <a:avLst/>
+              </a:prstGeom>
+              <a:ln>
+                <a:tailEnd type="triangle"/>
+              </a:ln>
+            </p:spPr>
+            <p:style>
+              <a:lnRef idx="1">
+                <a:schemeClr val="dk1"/>
+              </a:lnRef>
+              <a:fillRef idx="0">
+                <a:schemeClr val="dk1"/>
+              </a:fillRef>
+              <a:effectRef idx="0">
+                <a:schemeClr val="dk1"/>
+              </a:effectRef>
+              <a:fontRef idx="minor">
+                <a:schemeClr val="tx1"/>
+              </a:fontRef>
+            </p:style>
+          </p:cxnSp>
+          <p:sp>
+            <p:nvSpPr>
+              <p:cNvPr id="23" name="Rectangle: Rounded Corners 22">
+                <a:extLst>
+                  <a:ext uri="{FF2B5EF4-FFF2-40B4-BE49-F238E27FC236}">
+                    <a16:creationId xmlns:a16="http://schemas.microsoft.com/office/drawing/2014/main" id="{E70AEE51-A3D1-414D-B988-97D98A108D64}"/>
+                  </a:ext>
+                </a:extLst>
+              </p:cNvPr>
+              <p:cNvSpPr/>
+              <p:nvPr/>
+            </p:nvSpPr>
+            <p:spPr>
+              <a:xfrm>
+                <a:off x="778886" y="2157386"/>
+                <a:ext cx="1600200" cy="182880"/>
+              </a:xfrm>
+              <a:prstGeom prst="roundRect">
+                <a:avLst/>
+              </a:prstGeom>
+              <a:solidFill>
+                <a:schemeClr val="bg1">
+                  <a:lumMod val="95000"/>
+                </a:schemeClr>
+              </a:solidFill>
+              <a:ln>
+                <a:solidFill>
+                  <a:schemeClr val="tx1"/>
+                </a:solidFill>
+              </a:ln>
+            </p:spPr>
+            <p:style>
+              <a:lnRef idx="2">
+                <a:schemeClr val="accent1">
+                  <a:shade val="50000"/>
+                </a:schemeClr>
+              </a:lnRef>
+              <a:fillRef idx="1">
+                <a:schemeClr val="accent1"/>
+              </a:fillRef>
+              <a:effectRef idx="0">
+                <a:schemeClr val="accent1"/>
+              </a:effectRef>
+              <a:fontRef idx="minor">
+                <a:schemeClr val="lt1"/>
+              </a:fontRef>
+            </p:style>
+            <p:txBody>
+              <a:bodyPr rtlCol="0" anchor="ctr"/>
+              <a:lstStyle/>
+              <a:p>
+                <a:pPr algn="ctr"/>
+                <a:r>
+                  <a:rPr lang="en-US" sz="1200" dirty="0" err="1">
+                    <a:solidFill>
+                      <a:schemeClr val="tx1"/>
+                    </a:solidFill>
+                  </a:rPr>
+                  <a:t>lsat_clean_data</a:t>
+                </a:r>
+                <a:endParaRPr lang="en-US" sz="1200" dirty="0">
+                  <a:solidFill>
+                    <a:schemeClr val="tx1"/>
+                  </a:solidFill>
+                </a:endParaRPr>
+              </a:p>
+            </p:txBody>
+          </p:sp>
+          <p:cxnSp>
+            <p:nvCxnSpPr>
+              <p:cNvPr id="24" name="Straight Arrow Connector 23">
+                <a:extLst>
+                  <a:ext uri="{FF2B5EF4-FFF2-40B4-BE49-F238E27FC236}">
+                    <a16:creationId xmlns:a16="http://schemas.microsoft.com/office/drawing/2014/main" id="{BF28F49F-B665-41E8-A081-8BE6C82B4AEC}"/>
+                  </a:ext>
+                </a:extLst>
+              </p:cNvPr>
+              <p:cNvCxnSpPr>
+                <a:cxnSpLocks/>
+                <a:stCxn id="19" idx="2"/>
+                <a:endCxn id="23" idx="0"/>
+              </p:cNvCxnSpPr>
+              <p:nvPr/>
+            </p:nvCxnSpPr>
+            <p:spPr>
+              <a:xfrm>
+                <a:off x="1578986" y="2001811"/>
+                <a:ext cx="0" cy="155575"/>
+              </a:xfrm>
+              <a:prstGeom prst="straightConnector1">
+                <a:avLst/>
+              </a:prstGeom>
+              <a:ln>
+                <a:tailEnd type="triangle"/>
+              </a:ln>
+            </p:spPr>
+            <p:style>
+              <a:lnRef idx="1">
+                <a:schemeClr val="dk1"/>
+              </a:lnRef>
+              <a:fillRef idx="0">
+                <a:schemeClr val="dk1"/>
+              </a:fillRef>
+              <a:effectRef idx="0">
+                <a:schemeClr val="dk1"/>
+              </a:effectRef>
+              <a:fontRef idx="minor">
+                <a:schemeClr val="tx1"/>
+              </a:fontRef>
+            </p:style>
+          </p:cxnSp>
+          <p:cxnSp>
+            <p:nvCxnSpPr>
+              <p:cNvPr id="31" name="Straight Arrow Connector 30">
+                <a:extLst>
+                  <a:ext uri="{FF2B5EF4-FFF2-40B4-BE49-F238E27FC236}">
+                    <a16:creationId xmlns:a16="http://schemas.microsoft.com/office/drawing/2014/main" id="{F6BFBC8F-2A41-4327-822F-5EA4430E8DA8}"/>
+                  </a:ext>
+                </a:extLst>
+              </p:cNvPr>
+              <p:cNvCxnSpPr>
+                <a:cxnSpLocks/>
+                <a:stCxn id="4" idx="2"/>
+                <a:endCxn id="12" idx="0"/>
+              </p:cNvCxnSpPr>
+              <p:nvPr/>
+            </p:nvCxnSpPr>
+            <p:spPr>
+              <a:xfrm flipH="1">
+                <a:off x="1578986" y="563465"/>
+                <a:ext cx="1" cy="892881"/>
+              </a:xfrm>
+              <a:prstGeom prst="straightConnector1">
+                <a:avLst/>
+              </a:prstGeom>
+              <a:ln>
+                <a:tailEnd type="triangle"/>
+              </a:ln>
+            </p:spPr>
+            <p:style>
+              <a:lnRef idx="1">
+                <a:schemeClr val="dk1"/>
+              </a:lnRef>
+              <a:fillRef idx="0">
+                <a:schemeClr val="dk1"/>
+              </a:fillRef>
+              <a:effectRef idx="0">
+                <a:schemeClr val="dk1"/>
+              </a:effectRef>
+              <a:fontRef idx="minor">
+                <a:schemeClr val="tx1"/>
+              </a:fontRef>
+            </p:style>
+          </p:cxnSp>
+          <p:sp>
+            <p:nvSpPr>
+              <p:cNvPr id="33" name="Rectangle: Rounded Corners 32">
+                <a:extLst>
+                  <a:ext uri="{FF2B5EF4-FFF2-40B4-BE49-F238E27FC236}">
+                    <a16:creationId xmlns:a16="http://schemas.microsoft.com/office/drawing/2014/main" id="{DD3DD936-8F3A-4ED1-A72F-879D8A87670B}"/>
+                  </a:ext>
+                </a:extLst>
+              </p:cNvPr>
+              <p:cNvSpPr/>
+              <p:nvPr/>
+            </p:nvSpPr>
+            <p:spPr>
+              <a:xfrm>
+                <a:off x="2007136" y="2640621"/>
+                <a:ext cx="1836420" cy="182880"/>
+              </a:xfrm>
+              <a:prstGeom prst="roundRect">
+                <a:avLst/>
+              </a:prstGeom>
+              <a:solidFill>
+                <a:schemeClr val="bg1">
+                  <a:lumMod val="95000"/>
+                </a:schemeClr>
+              </a:solidFill>
+              <a:ln>
+                <a:solidFill>
+                  <a:schemeClr val="tx1"/>
+                </a:solidFill>
+              </a:ln>
+            </p:spPr>
+            <p:style>
+              <a:lnRef idx="2">
+                <a:schemeClr val="accent1">
+                  <a:shade val="50000"/>
+                </a:schemeClr>
+              </a:lnRef>
+              <a:fillRef idx="1">
+                <a:schemeClr val="accent1"/>
+              </a:fillRef>
+              <a:effectRef idx="0">
+                <a:schemeClr val="accent1"/>
+              </a:effectRef>
+              <a:fontRef idx="minor">
+                <a:schemeClr val="lt1"/>
+              </a:fontRef>
+            </p:style>
+            <p:txBody>
+              <a:bodyPr rtlCol="0" anchor="ctr"/>
+              <a:lstStyle/>
+              <a:p>
+                <a:pPr algn="ctr"/>
+                <a:r>
+                  <a:rPr lang="en-US" sz="1200" dirty="0" err="1">
+                    <a:solidFill>
+                      <a:schemeClr val="tx1"/>
+                    </a:solidFill>
+                  </a:rPr>
+                  <a:t>lsat_neighborhood</a:t>
+                </a:r>
+                <a:r>
+                  <a:rPr lang="en-US" sz="1200" dirty="0">
+                    <a:solidFill>
+                      <a:schemeClr val="tx1"/>
+                    </a:solidFill>
+                  </a:rPr>
+                  <a:t> _mean</a:t>
+                </a:r>
+              </a:p>
+            </p:txBody>
+          </p:sp>
+          <p:cxnSp>
+            <p:nvCxnSpPr>
+              <p:cNvPr id="34" name="Connector: Elbow 33">
+                <a:extLst>
+                  <a:ext uri="{FF2B5EF4-FFF2-40B4-BE49-F238E27FC236}">
+                    <a16:creationId xmlns:a16="http://schemas.microsoft.com/office/drawing/2014/main" id="{61EF4EEE-984C-4E72-A373-D8F43E705001}"/>
+                  </a:ext>
+                </a:extLst>
+              </p:cNvPr>
+              <p:cNvCxnSpPr>
+                <a:cxnSpLocks/>
+                <a:stCxn id="23" idx="2"/>
+                <a:endCxn id="33" idx="0"/>
+              </p:cNvCxnSpPr>
+              <p:nvPr/>
+            </p:nvCxnSpPr>
+            <p:spPr>
+              <a:xfrm rot="16200000" flipH="1">
+                <a:off x="2101989" y="1817263"/>
+                <a:ext cx="300355" cy="1346360"/>
+              </a:xfrm>
+              <a:prstGeom prst="bentConnector3">
+                <a:avLst>
+                  <a:gd name="adj1" fmla="val 50000"/>
+                </a:avLst>
+              </a:prstGeom>
+              <a:ln>
+                <a:tailEnd type="triangle"/>
+              </a:ln>
+            </p:spPr>
+            <p:style>
+              <a:lnRef idx="1">
+                <a:schemeClr val="dk1"/>
+              </a:lnRef>
+              <a:fillRef idx="0">
+                <a:schemeClr val="dk1"/>
+              </a:fillRef>
+              <a:effectRef idx="0">
+                <a:schemeClr val="dk1"/>
+              </a:effectRef>
+              <a:fontRef idx="minor">
+                <a:schemeClr val="tx1"/>
+              </a:fontRef>
+            </p:style>
+          </p:cxnSp>
+          <p:sp>
+            <p:nvSpPr>
+              <p:cNvPr id="48" name="Rectangle: Rounded Corners 47">
+                <a:extLst>
+                  <a:ext uri="{FF2B5EF4-FFF2-40B4-BE49-F238E27FC236}">
+                    <a16:creationId xmlns:a16="http://schemas.microsoft.com/office/drawing/2014/main" id="{38B0BAE8-B2D1-4328-9CD5-8AB5DF7CCBEA}"/>
+                  </a:ext>
+                </a:extLst>
+              </p:cNvPr>
+              <p:cNvSpPr/>
+              <p:nvPr/>
+            </p:nvSpPr>
+            <p:spPr>
+              <a:xfrm>
+                <a:off x="778886" y="3119411"/>
+                <a:ext cx="1600200" cy="182880"/>
+              </a:xfrm>
+              <a:prstGeom prst="roundRect">
+                <a:avLst/>
+              </a:prstGeom>
+              <a:solidFill>
+                <a:schemeClr val="bg1">
+                  <a:lumMod val="95000"/>
+                </a:schemeClr>
+              </a:solidFill>
+              <a:ln>
+                <a:solidFill>
+                  <a:schemeClr val="tx1"/>
+                </a:solidFill>
+              </a:ln>
+            </p:spPr>
+            <p:style>
+              <a:lnRef idx="2">
+                <a:schemeClr val="accent1">
+                  <a:shade val="50000"/>
+                </a:schemeClr>
+              </a:lnRef>
+              <a:fillRef idx="1">
+                <a:schemeClr val="accent1"/>
+              </a:fillRef>
+              <a:effectRef idx="0">
+                <a:schemeClr val="accent1"/>
+              </a:effectRef>
+              <a:fontRef idx="minor">
+                <a:schemeClr val="lt1"/>
+              </a:fontRef>
+            </p:style>
+            <p:txBody>
+              <a:bodyPr rtlCol="0" anchor="ctr"/>
+              <a:lstStyle/>
+              <a:p>
+                <a:pPr algn="ctr"/>
+                <a:r>
+                  <a:rPr lang="en-US" sz="1200" dirty="0" err="1">
+                    <a:solidFill>
+                      <a:schemeClr val="tx1"/>
+                    </a:solidFill>
+                  </a:rPr>
+                  <a:t>lsat_calc_spec_index</a:t>
+                </a:r>
+                <a:endParaRPr lang="en-US" sz="1200" dirty="0">
+                  <a:solidFill>
+                    <a:schemeClr val="tx1"/>
+                  </a:solidFill>
+                </a:endParaRPr>
+              </a:p>
+            </p:txBody>
+          </p:sp>
+          <p:cxnSp>
+            <p:nvCxnSpPr>
+              <p:cNvPr id="49" name="Straight Arrow Connector 48">
+                <a:extLst>
+                  <a:ext uri="{FF2B5EF4-FFF2-40B4-BE49-F238E27FC236}">
+                    <a16:creationId xmlns:a16="http://schemas.microsoft.com/office/drawing/2014/main" id="{0136118F-5D6D-4CC8-9127-F5F32F6996A9}"/>
+                  </a:ext>
+                </a:extLst>
+              </p:cNvPr>
+              <p:cNvCxnSpPr>
+                <a:cxnSpLocks/>
+                <a:stCxn id="23" idx="2"/>
+                <a:endCxn id="48" idx="0"/>
+              </p:cNvCxnSpPr>
+              <p:nvPr/>
+            </p:nvCxnSpPr>
+            <p:spPr>
+              <a:xfrm>
+                <a:off x="1578986" y="2340266"/>
+                <a:ext cx="0" cy="779145"/>
+              </a:xfrm>
+              <a:prstGeom prst="straightConnector1">
+                <a:avLst/>
+              </a:prstGeom>
+              <a:ln>
+                <a:tailEnd type="triangle"/>
+              </a:ln>
+            </p:spPr>
+            <p:style>
+              <a:lnRef idx="1">
+                <a:schemeClr val="dk1"/>
+              </a:lnRef>
+              <a:fillRef idx="0">
+                <a:schemeClr val="dk1"/>
+              </a:fillRef>
+              <a:effectRef idx="0">
+                <a:schemeClr val="dk1"/>
+              </a:effectRef>
+              <a:fontRef idx="minor">
+                <a:schemeClr val="tx1"/>
+              </a:fontRef>
+            </p:style>
+          </p:cxnSp>
+          <p:cxnSp>
+            <p:nvCxnSpPr>
+              <p:cNvPr id="51" name="Connector: Elbow 50">
+                <a:extLst>
+                  <a:ext uri="{FF2B5EF4-FFF2-40B4-BE49-F238E27FC236}">
+                    <a16:creationId xmlns:a16="http://schemas.microsoft.com/office/drawing/2014/main" id="{A6979ED2-038A-4FB1-AE4A-A4016987D9C6}"/>
+                  </a:ext>
+                </a:extLst>
+              </p:cNvPr>
+              <p:cNvCxnSpPr>
+                <a:cxnSpLocks/>
+                <a:stCxn id="33" idx="2"/>
+                <a:endCxn id="48" idx="0"/>
+              </p:cNvCxnSpPr>
+              <p:nvPr/>
+            </p:nvCxnSpPr>
+            <p:spPr>
+              <a:xfrm rot="5400000">
+                <a:off x="2104211" y="2298276"/>
+                <a:ext cx="295910" cy="1346360"/>
+              </a:xfrm>
+              <a:prstGeom prst="bentConnector3">
+                <a:avLst>
+                  <a:gd name="adj1" fmla="val 50000"/>
+                </a:avLst>
+              </a:prstGeom>
+              <a:ln>
+                <a:tailEnd type="triangle"/>
+              </a:ln>
+            </p:spPr>
+            <p:style>
+              <a:lnRef idx="1">
+                <a:schemeClr val="dk1"/>
+              </a:lnRef>
+              <a:fillRef idx="0">
+                <a:schemeClr val="dk1"/>
+              </a:fillRef>
+              <a:effectRef idx="0">
+                <a:schemeClr val="dk1"/>
+              </a:effectRef>
+              <a:fontRef idx="minor">
+                <a:schemeClr val="tx1"/>
+              </a:fontRef>
+            </p:style>
+          </p:cxnSp>
+          <p:sp>
+            <p:nvSpPr>
+              <p:cNvPr id="55" name="Rectangle: Rounded Corners 54">
+                <a:extLst>
+                  <a:ext uri="{FF2B5EF4-FFF2-40B4-BE49-F238E27FC236}">
+                    <a16:creationId xmlns:a16="http://schemas.microsoft.com/office/drawing/2014/main" id="{BD309F3D-7C94-42B5-8DD0-6AD5330A3AB5}"/>
+                  </a:ext>
+                </a:extLst>
+              </p:cNvPr>
+              <p:cNvSpPr/>
+              <p:nvPr/>
+            </p:nvSpPr>
+            <p:spPr>
+              <a:xfrm>
+                <a:off x="574099" y="4514354"/>
+                <a:ext cx="2009775" cy="182880"/>
+              </a:xfrm>
+              <a:prstGeom prst="roundRect">
+                <a:avLst/>
+              </a:prstGeom>
+              <a:solidFill>
+                <a:schemeClr val="bg1">
+                  <a:lumMod val="95000"/>
+                </a:schemeClr>
+              </a:solidFill>
+              <a:ln>
+                <a:solidFill>
+                  <a:schemeClr val="tx1"/>
+                </a:solidFill>
+              </a:ln>
+            </p:spPr>
+            <p:style>
+              <a:lnRef idx="2">
+                <a:schemeClr val="accent1">
+                  <a:shade val="50000"/>
+                </a:schemeClr>
+              </a:lnRef>
+              <a:fillRef idx="1">
+                <a:schemeClr val="accent1"/>
+              </a:fillRef>
+              <a:effectRef idx="0">
+                <a:schemeClr val="accent1"/>
+              </a:effectRef>
+              <a:fontRef idx="minor">
+                <a:schemeClr val="lt1"/>
+              </a:fontRef>
+            </p:style>
+            <p:txBody>
+              <a:bodyPr rtlCol="0" anchor="ctr"/>
+              <a:lstStyle/>
+              <a:p>
+                <a:pPr algn="ctr"/>
+                <a:r>
+                  <a:rPr lang="en-US" sz="1200" i="1" dirty="0" err="1">
+                    <a:solidFill>
+                      <a:schemeClr val="tx1"/>
+                    </a:solidFill>
+                  </a:rPr>
+                  <a:t>lsat_fit_phenological_curves</a:t>
+                </a:r>
+                <a:endParaRPr lang="en-US" sz="1200" i="1" dirty="0">
+                  <a:solidFill>
+                    <a:schemeClr val="tx1"/>
+                  </a:solidFill>
+                </a:endParaRPr>
+              </a:p>
+            </p:txBody>
+          </p:sp>
+          <p:sp>
+            <p:nvSpPr>
+              <p:cNvPr id="56" name="Rectangle: Rounded Corners 55">
+                <a:extLst>
+                  <a:ext uri="{FF2B5EF4-FFF2-40B4-BE49-F238E27FC236}">
+                    <a16:creationId xmlns:a16="http://schemas.microsoft.com/office/drawing/2014/main" id="{63FEB090-D6A7-407A-9ECA-95083F358875}"/>
+                  </a:ext>
+                </a:extLst>
+              </p:cNvPr>
+              <p:cNvSpPr/>
+              <p:nvPr/>
+            </p:nvSpPr>
+            <p:spPr>
+              <a:xfrm>
+                <a:off x="427890" y="4990589"/>
+                <a:ext cx="2302192" cy="182880"/>
+              </a:xfrm>
+              <a:prstGeom prst="roundRect">
+                <a:avLst/>
+              </a:prstGeom>
+              <a:solidFill>
+                <a:schemeClr val="bg1">
+                  <a:lumMod val="95000"/>
+                </a:schemeClr>
+              </a:solidFill>
+              <a:ln>
+                <a:solidFill>
+                  <a:schemeClr val="tx1"/>
+                </a:solidFill>
+              </a:ln>
+            </p:spPr>
+            <p:style>
+              <a:lnRef idx="2">
+                <a:schemeClr val="accent1">
+                  <a:shade val="50000"/>
+                </a:schemeClr>
+              </a:lnRef>
+              <a:fillRef idx="1">
+                <a:schemeClr val="accent1"/>
+              </a:fillRef>
+              <a:effectRef idx="0">
+                <a:schemeClr val="accent1"/>
+              </a:effectRef>
+              <a:fontRef idx="minor">
+                <a:schemeClr val="lt1"/>
+              </a:fontRef>
+            </p:style>
+            <p:txBody>
+              <a:bodyPr rtlCol="0" anchor="ctr"/>
+              <a:lstStyle/>
+              <a:p>
+                <a:pPr algn="ctr"/>
+                <a:r>
+                  <a:rPr lang="en-US" sz="1200" i="1" dirty="0" err="1">
+                    <a:solidFill>
+                      <a:schemeClr val="tx1"/>
+                    </a:solidFill>
+                  </a:rPr>
+                  <a:t>lsat_summarize_growing_season</a:t>
+                </a:r>
+                <a:endParaRPr lang="en-US" sz="1200" i="1" dirty="0">
+                  <a:solidFill>
+                    <a:schemeClr val="tx1"/>
+                  </a:solidFill>
+                </a:endParaRPr>
+              </a:p>
+            </p:txBody>
+          </p:sp>
+          <p:sp>
+            <p:nvSpPr>
+              <p:cNvPr id="57" name="Rectangle: Rounded Corners 56">
+                <a:extLst>
+                  <a:ext uri="{FF2B5EF4-FFF2-40B4-BE49-F238E27FC236}">
+                    <a16:creationId xmlns:a16="http://schemas.microsoft.com/office/drawing/2014/main" id="{216D7B21-CCFB-4AF4-BAB0-1FD98FFCDBA8}"/>
+                  </a:ext>
+                </a:extLst>
+              </p:cNvPr>
+              <p:cNvSpPr/>
+              <p:nvPr/>
+            </p:nvSpPr>
+            <p:spPr>
+              <a:xfrm>
+                <a:off x="1728053" y="5466685"/>
+                <a:ext cx="2394586" cy="182880"/>
+              </a:xfrm>
+              <a:prstGeom prst="roundRect">
+                <a:avLst/>
+              </a:prstGeom>
+              <a:solidFill>
+                <a:schemeClr val="bg1">
+                  <a:lumMod val="95000"/>
+                </a:schemeClr>
+              </a:solidFill>
+              <a:ln>
+                <a:solidFill>
+                  <a:schemeClr val="tx1"/>
+                </a:solidFill>
+              </a:ln>
+            </p:spPr>
+            <p:style>
+              <a:lnRef idx="2">
+                <a:schemeClr val="accent1">
+                  <a:shade val="50000"/>
+                </a:schemeClr>
+              </a:lnRef>
+              <a:fillRef idx="1">
+                <a:schemeClr val="accent1"/>
+              </a:fillRef>
+              <a:effectRef idx="0">
+                <a:schemeClr val="accent1"/>
+              </a:effectRef>
+              <a:fontRef idx="minor">
+                <a:schemeClr val="lt1"/>
+              </a:fontRef>
+            </p:style>
+            <p:txBody>
+              <a:bodyPr rtlCol="0" anchor="ctr"/>
+              <a:lstStyle/>
+              <a:p>
+                <a:pPr algn="ctr"/>
+                <a:r>
+                  <a:rPr lang="en-US" sz="1200" i="1" dirty="0" err="1">
+                    <a:solidFill>
+                      <a:schemeClr val="tx1"/>
+                    </a:solidFill>
+                  </a:rPr>
+                  <a:t>lsat_evaluate_phenological_max</a:t>
+                </a:r>
+                <a:endParaRPr lang="en-US" sz="1200" i="1" dirty="0">
+                  <a:solidFill>
+                    <a:schemeClr val="tx1"/>
+                  </a:solidFill>
+                </a:endParaRPr>
+              </a:p>
+            </p:txBody>
+          </p:sp>
+          <p:sp>
+            <p:nvSpPr>
+              <p:cNvPr id="58" name="Rectangle: Rounded Corners 57">
+                <a:extLst>
+                  <a:ext uri="{FF2B5EF4-FFF2-40B4-BE49-F238E27FC236}">
+                    <a16:creationId xmlns:a16="http://schemas.microsoft.com/office/drawing/2014/main" id="{8248FA13-00D7-496A-8808-465F2BC9FD7C}"/>
+                  </a:ext>
+                </a:extLst>
+              </p:cNvPr>
+              <p:cNvSpPr/>
+              <p:nvPr/>
+            </p:nvSpPr>
+            <p:spPr>
+              <a:xfrm>
+                <a:off x="778886" y="5880213"/>
+                <a:ext cx="1600200" cy="182880"/>
+              </a:xfrm>
+              <a:prstGeom prst="roundRect">
+                <a:avLst/>
+              </a:prstGeom>
+              <a:solidFill>
+                <a:schemeClr val="bg1">
+                  <a:lumMod val="95000"/>
+                </a:schemeClr>
+              </a:solidFill>
+              <a:ln>
+                <a:solidFill>
+                  <a:schemeClr val="tx1"/>
+                </a:solidFill>
+              </a:ln>
+            </p:spPr>
+            <p:style>
+              <a:lnRef idx="2">
+                <a:schemeClr val="accent1">
+                  <a:shade val="50000"/>
+                </a:schemeClr>
+              </a:lnRef>
+              <a:fillRef idx="1">
+                <a:schemeClr val="accent1"/>
+              </a:fillRef>
+              <a:effectRef idx="0">
+                <a:schemeClr val="accent1"/>
+              </a:effectRef>
+              <a:fontRef idx="minor">
+                <a:schemeClr val="lt1"/>
+              </a:fontRef>
+            </p:style>
+            <p:txBody>
+              <a:bodyPr rtlCol="0" anchor="ctr"/>
+              <a:lstStyle/>
+              <a:p>
+                <a:pPr algn="ctr"/>
+                <a:r>
+                  <a:rPr lang="en-US" sz="1200" i="1" dirty="0" err="1">
+                    <a:solidFill>
+                      <a:schemeClr val="tx1"/>
+                    </a:solidFill>
+                  </a:rPr>
+                  <a:t>lsat_calc_trend</a:t>
+                </a:r>
+                <a:endParaRPr lang="en-US" sz="1200" i="1" dirty="0">
+                  <a:solidFill>
+                    <a:schemeClr val="tx1"/>
+                  </a:solidFill>
+                </a:endParaRPr>
+              </a:p>
+            </p:txBody>
+          </p:sp>
+          <p:sp>
+            <p:nvSpPr>
+              <p:cNvPr id="59" name="Rectangle: Rounded Corners 58">
+                <a:extLst>
+                  <a:ext uri="{FF2B5EF4-FFF2-40B4-BE49-F238E27FC236}">
+                    <a16:creationId xmlns:a16="http://schemas.microsoft.com/office/drawing/2014/main" id="{0AEF80FF-3308-485C-8A89-E57EFFB5CE46}"/>
+                  </a:ext>
+                </a:extLst>
+              </p:cNvPr>
+              <p:cNvSpPr/>
+              <p:nvPr/>
+            </p:nvSpPr>
+            <p:spPr>
+              <a:xfrm>
+                <a:off x="1920459" y="3616297"/>
+                <a:ext cx="2009775" cy="182880"/>
+              </a:xfrm>
+              <a:prstGeom prst="roundRect">
+                <a:avLst/>
+              </a:prstGeom>
+              <a:solidFill>
+                <a:schemeClr val="bg1">
+                  <a:lumMod val="95000"/>
+                </a:schemeClr>
+              </a:solidFill>
+              <a:ln>
+                <a:solidFill>
+                  <a:schemeClr val="tx1"/>
+                </a:solidFill>
+              </a:ln>
+            </p:spPr>
+            <p:style>
+              <a:lnRef idx="2">
+                <a:schemeClr val="accent1">
+                  <a:shade val="50000"/>
+                </a:schemeClr>
+              </a:lnRef>
+              <a:fillRef idx="1">
+                <a:schemeClr val="accent1"/>
+              </a:fillRef>
+              <a:effectRef idx="0">
+                <a:schemeClr val="accent1"/>
+              </a:effectRef>
+              <a:fontRef idx="minor">
+                <a:schemeClr val="lt1"/>
+              </a:fontRef>
+            </p:style>
+            <p:txBody>
+              <a:bodyPr rtlCol="0" anchor="ctr"/>
+              <a:lstStyle/>
+              <a:p>
+                <a:pPr algn="ctr"/>
+                <a:r>
+                  <a:rPr lang="en-US" sz="1200" dirty="0" err="1">
+                    <a:solidFill>
+                      <a:schemeClr val="tx1"/>
+                    </a:solidFill>
+                  </a:rPr>
+                  <a:t>lsat_summarize_data_avail</a:t>
+                </a:r>
+                <a:endParaRPr lang="en-US" sz="1200" dirty="0">
+                  <a:solidFill>
+                    <a:schemeClr val="tx1"/>
+                  </a:solidFill>
+                </a:endParaRPr>
+              </a:p>
+            </p:txBody>
+          </p:sp>
+          <p:sp>
+            <p:nvSpPr>
+              <p:cNvPr id="60" name="TextBox 59">
+                <a:extLst>
+                  <a:ext uri="{FF2B5EF4-FFF2-40B4-BE49-F238E27FC236}">
+                    <a16:creationId xmlns:a16="http://schemas.microsoft.com/office/drawing/2014/main" id="{E5132F42-B82C-4D84-957E-90B815C34AD5}"/>
+                  </a:ext>
+                </a:extLst>
+              </p:cNvPr>
+              <p:cNvSpPr txBox="1"/>
+              <p:nvPr/>
+            </p:nvSpPr>
+            <p:spPr>
+              <a:xfrm>
+                <a:off x="1610426" y="550203"/>
+                <a:ext cx="675185" cy="253916"/>
+              </a:xfrm>
+              <a:prstGeom prst="rect">
+                <a:avLst/>
+              </a:prstGeom>
+              <a:noFill/>
+            </p:spPr>
+            <p:txBody>
+              <a:bodyPr wrap="none" rtlCol="0">
+                <a:spAutoFit/>
+              </a:bodyPr>
+              <a:lstStyle/>
+              <a:p>
+                <a:r>
+                  <a:rPr lang="en-US" sz="1050" dirty="0"/>
+                  <a:t>polygons</a:t>
+                </a:r>
+                <a:endParaRPr lang="en-US" sz="1100" dirty="0"/>
+              </a:p>
+            </p:txBody>
+          </p:sp>
+          <p:sp>
+            <p:nvSpPr>
+              <p:cNvPr id="63" name="TextBox 62">
+                <a:extLst>
+                  <a:ext uri="{FF2B5EF4-FFF2-40B4-BE49-F238E27FC236}">
+                    <a16:creationId xmlns:a16="http://schemas.microsoft.com/office/drawing/2014/main" id="{693DE51F-817B-49A8-9AF7-FECA140F580E}"/>
+                  </a:ext>
+                </a:extLst>
+              </p:cNvPr>
+              <p:cNvSpPr txBox="1"/>
+              <p:nvPr/>
+            </p:nvSpPr>
+            <p:spPr>
+              <a:xfrm>
+                <a:off x="1092107" y="550203"/>
+                <a:ext cx="524503" cy="253916"/>
+              </a:xfrm>
+              <a:prstGeom prst="rect">
+                <a:avLst/>
+              </a:prstGeom>
+              <a:noFill/>
+            </p:spPr>
+            <p:txBody>
+              <a:bodyPr wrap="none" rtlCol="0">
+                <a:spAutoFit/>
+              </a:bodyPr>
+              <a:lstStyle/>
+              <a:p>
+                <a:r>
+                  <a:rPr lang="en-US" sz="1050" dirty="0"/>
+                  <a:t>points</a:t>
+                </a:r>
+                <a:endParaRPr lang="en-US" sz="1100" dirty="0"/>
+              </a:p>
+            </p:txBody>
+          </p:sp>
+          <p:sp>
+            <p:nvSpPr>
+              <p:cNvPr id="67" name="TextBox 66">
+                <a:extLst>
+                  <a:ext uri="{FF2B5EF4-FFF2-40B4-BE49-F238E27FC236}">
+                    <a16:creationId xmlns:a16="http://schemas.microsoft.com/office/drawing/2014/main" id="{3E97EEAF-975A-4D96-A08C-44311D433AAD}"/>
+                  </a:ext>
+                </a:extLst>
+              </p:cNvPr>
+              <p:cNvSpPr txBox="1"/>
+              <p:nvPr/>
+            </p:nvSpPr>
+            <p:spPr>
+              <a:xfrm>
+                <a:off x="2722620" y="268871"/>
+                <a:ext cx="1343829" cy="307777"/>
+              </a:xfrm>
+              <a:prstGeom prst="rect">
+                <a:avLst/>
+              </a:prstGeom>
+              <a:noFill/>
+            </p:spPr>
+            <p:txBody>
+              <a:bodyPr wrap="none" rtlCol="0">
+                <a:spAutoFit/>
+              </a:bodyPr>
+              <a:lstStyle/>
+              <a:p>
+                <a:r>
+                  <a:rPr lang="en-US" sz="1400" b="1" dirty="0">
+                    <a:solidFill>
+                      <a:schemeClr val="accent1">
+                        <a:lumMod val="50000"/>
+                      </a:schemeClr>
+                    </a:solidFill>
+                  </a:rPr>
+                  <a:t>Data extraction</a:t>
+                </a:r>
+              </a:p>
+            </p:txBody>
+          </p:sp>
+          <p:sp>
+            <p:nvSpPr>
+              <p:cNvPr id="69" name="TextBox 68">
+                <a:extLst>
+                  <a:ext uri="{FF2B5EF4-FFF2-40B4-BE49-F238E27FC236}">
+                    <a16:creationId xmlns:a16="http://schemas.microsoft.com/office/drawing/2014/main" id="{E235E8D9-81F0-4DF0-A2E1-EABA9D1DE790}"/>
+                  </a:ext>
+                </a:extLst>
+              </p:cNvPr>
+              <p:cNvSpPr txBox="1"/>
+              <p:nvPr/>
+            </p:nvSpPr>
+            <p:spPr>
+              <a:xfrm>
+                <a:off x="2718099" y="1712767"/>
+                <a:ext cx="1352871" cy="307777"/>
+              </a:xfrm>
+              <a:prstGeom prst="rect">
+                <a:avLst/>
+              </a:prstGeom>
+              <a:noFill/>
+            </p:spPr>
+            <p:txBody>
+              <a:bodyPr wrap="none" rtlCol="0">
+                <a:spAutoFit/>
+              </a:bodyPr>
+              <a:lstStyle/>
+              <a:p>
+                <a:r>
+                  <a:rPr lang="en-US" sz="1400" b="1" dirty="0">
+                    <a:solidFill>
+                      <a:schemeClr val="accent2">
+                        <a:lumMod val="50000"/>
+                      </a:schemeClr>
+                    </a:solidFill>
+                  </a:rPr>
+                  <a:t>Data processing</a:t>
+                </a:r>
+              </a:p>
+            </p:txBody>
+          </p:sp>
+          <p:sp>
+            <p:nvSpPr>
+              <p:cNvPr id="70" name="Rectangle: Rounded Corners 69">
+                <a:extLst>
+                  <a:ext uri="{FF2B5EF4-FFF2-40B4-BE49-F238E27FC236}">
+                    <a16:creationId xmlns:a16="http://schemas.microsoft.com/office/drawing/2014/main" id="{399C1309-FDD0-4373-8066-E8EAC52E7788}"/>
+                  </a:ext>
+                </a:extLst>
+              </p:cNvPr>
+              <p:cNvSpPr/>
+              <p:nvPr/>
+            </p:nvSpPr>
+            <p:spPr>
+              <a:xfrm>
+                <a:off x="960856" y="4056988"/>
+                <a:ext cx="1236261" cy="182880"/>
+              </a:xfrm>
+              <a:prstGeom prst="roundRect">
+                <a:avLst/>
+              </a:prstGeom>
+              <a:solidFill>
+                <a:schemeClr val="bg1">
+                  <a:lumMod val="95000"/>
+                </a:schemeClr>
+              </a:solidFill>
+              <a:ln>
+                <a:solidFill>
+                  <a:schemeClr val="tx1"/>
+                </a:solidFill>
+              </a:ln>
+            </p:spPr>
+            <p:style>
+              <a:lnRef idx="2">
+                <a:schemeClr val="accent1">
+                  <a:shade val="50000"/>
+                </a:schemeClr>
+              </a:lnRef>
+              <a:fillRef idx="1">
+                <a:schemeClr val="accent1"/>
+              </a:fillRef>
+              <a:effectRef idx="0">
+                <a:schemeClr val="accent1"/>
+              </a:effectRef>
+              <a:fontRef idx="minor">
+                <a:schemeClr val="lt1"/>
+              </a:fontRef>
+            </p:style>
+            <p:txBody>
+              <a:bodyPr rtlCol="0" anchor="ctr"/>
+              <a:lstStyle/>
+              <a:p>
+                <a:pPr algn="ctr"/>
+                <a:r>
+                  <a:rPr lang="en-US" sz="1200" dirty="0" err="1">
+                    <a:solidFill>
+                      <a:schemeClr val="tx1"/>
+                    </a:solidFill>
+                  </a:rPr>
+                  <a:t>lsat_calibrate_rf</a:t>
+                </a:r>
+                <a:endParaRPr lang="en-US" sz="1200" dirty="0">
+                  <a:solidFill>
+                    <a:schemeClr val="tx1"/>
+                  </a:solidFill>
+                </a:endParaRPr>
+              </a:p>
+            </p:txBody>
+          </p:sp>
+          <p:cxnSp>
+            <p:nvCxnSpPr>
+              <p:cNvPr id="74" name="Connector: Elbow 73">
+                <a:extLst>
+                  <a:ext uri="{FF2B5EF4-FFF2-40B4-BE49-F238E27FC236}">
+                    <a16:creationId xmlns:a16="http://schemas.microsoft.com/office/drawing/2014/main" id="{2D289FC2-646D-4EE3-8B26-C3B14B7B3277}"/>
+                  </a:ext>
+                </a:extLst>
+              </p:cNvPr>
+              <p:cNvCxnSpPr>
+                <a:cxnSpLocks/>
+                <a:stCxn id="48" idx="2"/>
+                <a:endCxn id="59" idx="0"/>
+              </p:cNvCxnSpPr>
+              <p:nvPr/>
+            </p:nvCxnSpPr>
+            <p:spPr>
+              <a:xfrm rot="16200000" flipH="1">
+                <a:off x="2095163" y="2786113"/>
+                <a:ext cx="314006" cy="1346361"/>
+              </a:xfrm>
+              <a:prstGeom prst="bentConnector3">
+                <a:avLst>
+                  <a:gd name="adj1" fmla="val 50000"/>
+                </a:avLst>
+              </a:prstGeom>
+              <a:ln>
+                <a:tailEnd type="triangle"/>
+              </a:ln>
+            </p:spPr>
+            <p:style>
+              <a:lnRef idx="1">
+                <a:schemeClr val="dk1"/>
+              </a:lnRef>
+              <a:fillRef idx="0">
+                <a:schemeClr val="dk1"/>
+              </a:fillRef>
+              <a:effectRef idx="0">
+                <a:schemeClr val="dk1"/>
+              </a:effectRef>
+              <a:fontRef idx="minor">
+                <a:schemeClr val="tx1"/>
+              </a:fontRef>
+            </p:style>
+          </p:cxnSp>
+          <p:cxnSp>
+            <p:nvCxnSpPr>
+              <p:cNvPr id="78" name="Straight Arrow Connector 77">
+                <a:extLst>
+                  <a:ext uri="{FF2B5EF4-FFF2-40B4-BE49-F238E27FC236}">
+                    <a16:creationId xmlns:a16="http://schemas.microsoft.com/office/drawing/2014/main" id="{B355CAE9-C47C-4E60-9474-806779F429E5}"/>
+                  </a:ext>
+                </a:extLst>
+              </p:cNvPr>
+              <p:cNvCxnSpPr>
+                <a:cxnSpLocks/>
+                <a:stCxn id="48" idx="2"/>
+                <a:endCxn id="70" idx="0"/>
+              </p:cNvCxnSpPr>
+              <p:nvPr/>
+            </p:nvCxnSpPr>
+            <p:spPr>
+              <a:xfrm>
+                <a:off x="1578986" y="3302291"/>
+                <a:ext cx="1" cy="754697"/>
+              </a:xfrm>
+              <a:prstGeom prst="straightConnector1">
+                <a:avLst/>
+              </a:prstGeom>
+              <a:ln>
+                <a:tailEnd type="triangle"/>
+              </a:ln>
+            </p:spPr>
+            <p:style>
+              <a:lnRef idx="1">
+                <a:schemeClr val="dk1"/>
+              </a:lnRef>
+              <a:fillRef idx="0">
+                <a:schemeClr val="dk1"/>
+              </a:fillRef>
+              <a:effectRef idx="0">
+                <a:schemeClr val="dk1"/>
+              </a:effectRef>
+              <a:fontRef idx="minor">
+                <a:schemeClr val="tx1"/>
+              </a:fontRef>
+            </p:style>
+          </p:cxnSp>
+          <p:cxnSp>
+            <p:nvCxnSpPr>
+              <p:cNvPr id="91" name="Straight Arrow Connector 90">
+                <a:extLst>
+                  <a:ext uri="{FF2B5EF4-FFF2-40B4-BE49-F238E27FC236}">
+                    <a16:creationId xmlns:a16="http://schemas.microsoft.com/office/drawing/2014/main" id="{9C09601B-84DC-4146-9FE8-84846FE0750A}"/>
+                  </a:ext>
+                </a:extLst>
+              </p:cNvPr>
+              <p:cNvCxnSpPr>
+                <a:cxnSpLocks/>
+                <a:stCxn id="70" idx="2"/>
+                <a:endCxn id="55" idx="0"/>
+              </p:cNvCxnSpPr>
+              <p:nvPr/>
+            </p:nvCxnSpPr>
+            <p:spPr>
+              <a:xfrm>
+                <a:off x="1578987" y="4239868"/>
+                <a:ext cx="0" cy="274486"/>
+              </a:xfrm>
+              <a:prstGeom prst="straightConnector1">
+                <a:avLst/>
+              </a:prstGeom>
+              <a:ln>
+                <a:tailEnd type="triangle"/>
+              </a:ln>
+            </p:spPr>
+            <p:style>
+              <a:lnRef idx="1">
+                <a:schemeClr val="dk1"/>
+              </a:lnRef>
+              <a:fillRef idx="0">
+                <a:schemeClr val="dk1"/>
+              </a:fillRef>
+              <a:effectRef idx="0">
+                <a:schemeClr val="dk1"/>
+              </a:effectRef>
+              <a:fontRef idx="minor">
+                <a:schemeClr val="tx1"/>
+              </a:fontRef>
+            </p:style>
+          </p:cxnSp>
+          <p:cxnSp>
+            <p:nvCxnSpPr>
+              <p:cNvPr id="95" name="Straight Arrow Connector 94">
+                <a:extLst>
+                  <a:ext uri="{FF2B5EF4-FFF2-40B4-BE49-F238E27FC236}">
+                    <a16:creationId xmlns:a16="http://schemas.microsoft.com/office/drawing/2014/main" id="{E127B196-4D2F-47FE-A788-EFA20B2E7B66}"/>
+                  </a:ext>
+                </a:extLst>
+              </p:cNvPr>
+              <p:cNvCxnSpPr>
+                <a:cxnSpLocks/>
+                <a:stCxn id="55" idx="2"/>
+                <a:endCxn id="56" idx="0"/>
+              </p:cNvCxnSpPr>
+              <p:nvPr/>
+            </p:nvCxnSpPr>
+            <p:spPr>
+              <a:xfrm flipH="1">
+                <a:off x="1578986" y="4697234"/>
+                <a:ext cx="1" cy="293355"/>
+              </a:xfrm>
+              <a:prstGeom prst="straightConnector1">
+                <a:avLst/>
+              </a:prstGeom>
+              <a:ln>
+                <a:tailEnd type="triangle"/>
+              </a:ln>
+            </p:spPr>
+            <p:style>
+              <a:lnRef idx="1">
+                <a:schemeClr val="dk1"/>
+              </a:lnRef>
+              <a:fillRef idx="0">
+                <a:schemeClr val="dk1"/>
+              </a:fillRef>
+              <a:effectRef idx="0">
+                <a:schemeClr val="dk1"/>
+              </a:effectRef>
+              <a:fontRef idx="minor">
+                <a:schemeClr val="tx1"/>
+              </a:fontRef>
+            </p:style>
+          </p:cxnSp>
+          <p:cxnSp>
+            <p:nvCxnSpPr>
+              <p:cNvPr id="99" name="Connector: Elbow 98">
+                <a:extLst>
+                  <a:ext uri="{FF2B5EF4-FFF2-40B4-BE49-F238E27FC236}">
+                    <a16:creationId xmlns:a16="http://schemas.microsoft.com/office/drawing/2014/main" id="{238D9827-01B4-4410-BC7C-E01D84A06887}"/>
+                  </a:ext>
+                </a:extLst>
+              </p:cNvPr>
+              <p:cNvCxnSpPr>
+                <a:cxnSpLocks/>
+                <a:stCxn id="56" idx="2"/>
+                <a:endCxn id="57" idx="0"/>
+              </p:cNvCxnSpPr>
+              <p:nvPr/>
+            </p:nvCxnSpPr>
+            <p:spPr>
+              <a:xfrm rot="16200000" flipH="1">
+                <a:off x="2105558" y="4646897"/>
+                <a:ext cx="293216" cy="1346360"/>
+              </a:xfrm>
+              <a:prstGeom prst="bentConnector3">
+                <a:avLst>
+                  <a:gd name="adj1" fmla="val 50000"/>
+                </a:avLst>
+              </a:prstGeom>
+              <a:ln>
+                <a:tailEnd type="triangle"/>
+              </a:ln>
+            </p:spPr>
+            <p:style>
+              <a:lnRef idx="1">
+                <a:schemeClr val="dk1"/>
+              </a:lnRef>
+              <a:fillRef idx="0">
+                <a:schemeClr val="dk1"/>
+              </a:fillRef>
+              <a:effectRef idx="0">
+                <a:schemeClr val="dk1"/>
+              </a:effectRef>
+              <a:fontRef idx="minor">
+                <a:schemeClr val="tx1"/>
+              </a:fontRef>
+            </p:style>
+          </p:cxnSp>
+          <p:cxnSp>
+            <p:nvCxnSpPr>
+              <p:cNvPr id="102" name="Straight Arrow Connector 101">
+                <a:extLst>
+                  <a:ext uri="{FF2B5EF4-FFF2-40B4-BE49-F238E27FC236}">
+                    <a16:creationId xmlns:a16="http://schemas.microsoft.com/office/drawing/2014/main" id="{653263E0-279C-4242-98D6-EBDE94BE00D6}"/>
+                  </a:ext>
+                </a:extLst>
+              </p:cNvPr>
+              <p:cNvCxnSpPr>
+                <a:cxnSpLocks/>
+                <a:stCxn id="56" idx="2"/>
+                <a:endCxn id="58" idx="0"/>
+              </p:cNvCxnSpPr>
+              <p:nvPr/>
+            </p:nvCxnSpPr>
+            <p:spPr>
+              <a:xfrm>
+                <a:off x="1578986" y="5173469"/>
+                <a:ext cx="0" cy="706744"/>
+              </a:xfrm>
+              <a:prstGeom prst="straightConnector1">
+                <a:avLst/>
+              </a:prstGeom>
+              <a:ln>
+                <a:tailEnd type="triangle"/>
+              </a:ln>
+            </p:spPr>
+            <p:style>
+              <a:lnRef idx="1">
+                <a:schemeClr val="dk1"/>
+              </a:lnRef>
+              <a:fillRef idx="0">
+                <a:schemeClr val="dk1"/>
+              </a:fillRef>
+              <a:effectRef idx="0">
+                <a:schemeClr val="dk1"/>
+              </a:effectRef>
+              <a:fontRef idx="minor">
+                <a:schemeClr val="tx1"/>
+              </a:fontRef>
+            </p:style>
+          </p:cxnSp>
+          <p:sp>
+            <p:nvSpPr>
+              <p:cNvPr id="107" name="TextBox 106">
+                <a:extLst>
+                  <a:ext uri="{FF2B5EF4-FFF2-40B4-BE49-F238E27FC236}">
+                    <a16:creationId xmlns:a16="http://schemas.microsoft.com/office/drawing/2014/main" id="{2E8A83C7-EBA3-4AA9-8386-3B3442F50C35}"/>
+                  </a:ext>
+                </a:extLst>
+              </p:cNvPr>
+              <p:cNvSpPr txBox="1"/>
+              <p:nvPr/>
+            </p:nvSpPr>
+            <p:spPr>
+              <a:xfrm>
+                <a:off x="3316525" y="2435335"/>
+                <a:ext cx="636713" cy="253916"/>
+              </a:xfrm>
+              <a:prstGeom prst="rect">
+                <a:avLst/>
+              </a:prstGeom>
+              <a:noFill/>
+            </p:spPr>
+            <p:txBody>
+              <a:bodyPr wrap="none" rtlCol="0">
+                <a:spAutoFit/>
+              </a:bodyPr>
+              <a:lstStyle/>
+              <a:p>
+                <a:r>
+                  <a:rPr lang="en-US" sz="1050" i="1" dirty="0"/>
+                  <a:t>optional</a:t>
+                </a:r>
+                <a:endParaRPr lang="en-US" sz="1100" i="1" dirty="0"/>
+              </a:p>
+            </p:txBody>
+          </p:sp>
+          <p:sp>
+            <p:nvSpPr>
+              <p:cNvPr id="108" name="TextBox 107">
+                <a:extLst>
+                  <a:ext uri="{FF2B5EF4-FFF2-40B4-BE49-F238E27FC236}">
+                    <a16:creationId xmlns:a16="http://schemas.microsoft.com/office/drawing/2014/main" id="{0A2A00B3-7BF3-4285-867B-92567C8E1E16}"/>
+                  </a:ext>
+                </a:extLst>
+              </p:cNvPr>
+              <p:cNvSpPr txBox="1"/>
+              <p:nvPr/>
+            </p:nvSpPr>
+            <p:spPr>
+              <a:xfrm>
+                <a:off x="3378805" y="3384436"/>
+                <a:ext cx="636713" cy="253916"/>
+              </a:xfrm>
+              <a:prstGeom prst="rect">
+                <a:avLst/>
+              </a:prstGeom>
+              <a:noFill/>
+            </p:spPr>
+            <p:txBody>
+              <a:bodyPr wrap="none" rtlCol="0">
+                <a:spAutoFit/>
+              </a:bodyPr>
+              <a:lstStyle/>
+              <a:p>
+                <a:r>
+                  <a:rPr lang="en-US" sz="1050" i="1" dirty="0"/>
+                  <a:t>optional</a:t>
+                </a:r>
+                <a:endParaRPr lang="en-US" sz="1100" i="1" dirty="0"/>
+              </a:p>
+            </p:txBody>
+          </p:sp>
+          <p:sp>
+            <p:nvSpPr>
+              <p:cNvPr id="109" name="TextBox 108">
+                <a:extLst>
+                  <a:ext uri="{FF2B5EF4-FFF2-40B4-BE49-F238E27FC236}">
+                    <a16:creationId xmlns:a16="http://schemas.microsoft.com/office/drawing/2014/main" id="{B7FD671E-D623-40BA-A9C9-04F175821CD2}"/>
+                  </a:ext>
+                </a:extLst>
+              </p:cNvPr>
+              <p:cNvSpPr txBox="1"/>
+              <p:nvPr/>
+            </p:nvSpPr>
+            <p:spPr>
+              <a:xfrm>
+                <a:off x="3569023" y="5251864"/>
+                <a:ext cx="636713" cy="253916"/>
+              </a:xfrm>
+              <a:prstGeom prst="rect">
+                <a:avLst/>
+              </a:prstGeom>
+              <a:noFill/>
+            </p:spPr>
+            <p:txBody>
+              <a:bodyPr wrap="none" rtlCol="0">
+                <a:spAutoFit/>
+              </a:bodyPr>
+              <a:lstStyle/>
+              <a:p>
+                <a:r>
+                  <a:rPr lang="en-US" sz="1050" i="1" dirty="0"/>
+                  <a:t>optional</a:t>
+                </a:r>
+                <a:endParaRPr lang="en-US" sz="1100" i="1" dirty="0"/>
+              </a:p>
+            </p:txBody>
+          </p:sp>
+        </p:grpSp>
         <p:cxnSp>
           <p:nvCxnSpPr>
-            <p:cNvPr id="10" name="Connector: Elbow 9">
+            <p:cNvPr id="41" name="Straight Arrow Connector 40">
               <a:extLst>
                 <a:ext uri="{FF2B5EF4-FFF2-40B4-BE49-F238E27FC236}">
-                  <a16:creationId xmlns:a16="http://schemas.microsoft.com/office/drawing/2014/main" id="{5CFAFAD9-3EEF-430F-82F6-7173ADA0E0E7}"/>
+                  <a16:creationId xmlns:a16="http://schemas.microsoft.com/office/drawing/2014/main" id="{F320C4F3-A32F-42C7-B449-E08D32BA44D4}"/>
                 </a:ext>
               </a:extLst>
             </p:cNvPr>
             <p:cNvCxnSpPr>
               <a:cxnSpLocks/>
-              <a:stCxn id="4" idx="2"/>
-              <a:endCxn id="5" idx="0"/>
             </p:cNvCxnSpPr>
             <p:nvPr/>
           </p:nvCxnSpPr>
           <p:spPr>
-            <a:xfrm rot="16200000" flipH="1">
-              <a:off x="2059721" y="82730"/>
-              <a:ext cx="384890" cy="1346359"/>
+            <a:xfrm>
+              <a:off x="574099" y="5165537"/>
+              <a:ext cx="0" cy="1077609"/>
             </a:xfrm>
-            <a:prstGeom prst="bentConnector3">
-              <a:avLst>
-                <a:gd name="adj1" fmla="val 50000"/>
-              </a:avLst>
+            <a:prstGeom prst="straightConnector1">
+              <a:avLst/>
             </a:prstGeom>
             <a:ln>
               <a:tailEnd type="triangle"/>
@@ -3385,207 +5029,25 @@
             </a:fontRef>
           </p:style>
         </p:cxnSp>
-        <p:sp>
-          <p:nvSpPr>
-            <p:cNvPr id="12" name="Rectangle: Rounded Corners 11">
+        <p:cxnSp>
+          <p:nvCxnSpPr>
+            <p:cNvPr id="45" name="Straight Arrow Connector 44">
               <a:extLst>
                 <a:ext uri="{FF2B5EF4-FFF2-40B4-BE49-F238E27FC236}">
-                  <a16:creationId xmlns:a16="http://schemas.microsoft.com/office/drawing/2014/main" id="{CFFE8495-BA48-4DB7-BB23-19A0DD2C58B8}"/>
-                </a:ext>
-              </a:extLst>
-            </p:cNvPr>
-            <p:cNvSpPr/>
-            <p:nvPr/>
-          </p:nvSpPr>
-          <p:spPr>
-            <a:xfrm>
-              <a:off x="778886" y="1456346"/>
-              <a:ext cx="1600200" cy="182880"/>
-            </a:xfrm>
-            <a:prstGeom prst="roundRect">
-              <a:avLst/>
-            </a:prstGeom>
-            <a:solidFill>
-              <a:schemeClr val="bg1">
-                <a:lumMod val="95000"/>
-              </a:schemeClr>
-            </a:solidFill>
-            <a:ln>
-              <a:solidFill>
-                <a:schemeClr val="tx1"/>
-              </a:solidFill>
-            </a:ln>
-          </p:spPr>
-          <p:style>
-            <a:lnRef idx="2">
-              <a:schemeClr val="accent1">
-                <a:shade val="50000"/>
-              </a:schemeClr>
-            </a:lnRef>
-            <a:fillRef idx="1">
-              <a:schemeClr val="accent1"/>
-            </a:fillRef>
-            <a:effectRef idx="0">
-              <a:schemeClr val="accent1"/>
-            </a:effectRef>
-            <a:fontRef idx="minor">
-              <a:schemeClr val="lt1"/>
-            </a:fontRef>
-          </p:style>
-          <p:txBody>
-            <a:bodyPr rtlCol="0" anchor="ctr"/>
-            <a:lstStyle/>
-            <a:p>
-              <a:pPr algn="ctr"/>
-              <a:r>
-                <a:rPr lang="en-US" sz="1200" dirty="0" err="1">
-                  <a:solidFill>
-                    <a:schemeClr val="tx1"/>
-                  </a:solidFill>
-                </a:rPr>
-                <a:t>lsat_download_ts</a:t>
-              </a:r>
-              <a:endParaRPr lang="en-US" sz="1200" dirty="0">
-                <a:solidFill>
-                  <a:schemeClr val="tx1"/>
-                </a:solidFill>
-              </a:endParaRPr>
-            </a:p>
-          </p:txBody>
-        </p:sp>
-        <p:cxnSp>
-          <p:nvCxnSpPr>
-            <p:cNvPr id="13" name="Connector: Elbow 12">
-              <a:extLst>
-                <a:ext uri="{FF2B5EF4-FFF2-40B4-BE49-F238E27FC236}">
-                  <a16:creationId xmlns:a16="http://schemas.microsoft.com/office/drawing/2014/main" id="{03851527-D339-4ACA-B874-69223CCBA27A}"/>
+                  <a16:creationId xmlns:a16="http://schemas.microsoft.com/office/drawing/2014/main" id="{03C2D69D-2D48-4D10-B552-6052A5C37CE5}"/>
                 </a:ext>
               </a:extLst>
             </p:cNvPr>
             <p:cNvCxnSpPr>
               <a:cxnSpLocks/>
-              <a:stCxn id="5" idx="2"/>
-              <a:endCxn id="12" idx="0"/>
+              <a:stCxn id="58" idx="2"/>
             </p:cNvCxnSpPr>
             <p:nvPr/>
           </p:nvCxnSpPr>
           <p:spPr>
-            <a:xfrm rot="5400000">
-              <a:off x="2089611" y="620610"/>
-              <a:ext cx="325111" cy="1346360"/>
-            </a:xfrm>
-            <a:prstGeom prst="bentConnector3">
-              <a:avLst>
-                <a:gd name="adj1" fmla="val 50000"/>
-              </a:avLst>
-            </a:prstGeom>
-            <a:ln>
-              <a:tailEnd type="triangle"/>
-            </a:ln>
-          </p:spPr>
-          <p:style>
-            <a:lnRef idx="1">
-              <a:schemeClr val="dk1"/>
-            </a:lnRef>
-            <a:fillRef idx="0">
-              <a:schemeClr val="dk1"/>
-            </a:fillRef>
-            <a:effectRef idx="0">
-              <a:schemeClr val="dk1"/>
-            </a:effectRef>
-            <a:fontRef idx="minor">
-              <a:schemeClr val="tx1"/>
-            </a:fontRef>
-          </p:style>
-        </p:cxnSp>
-        <p:sp>
-          <p:nvSpPr>
-            <p:cNvPr id="19" name="Rectangle: Rounded Corners 18">
-              <a:extLst>
-                <a:ext uri="{FF2B5EF4-FFF2-40B4-BE49-F238E27FC236}">
-                  <a16:creationId xmlns:a16="http://schemas.microsoft.com/office/drawing/2014/main" id="{095A6052-B8E6-4441-84BA-9AF2462D04EF}"/>
-                </a:ext>
-              </a:extLst>
-            </p:cNvPr>
-            <p:cNvSpPr/>
-            <p:nvPr/>
-          </p:nvSpPr>
-          <p:spPr>
-            <a:xfrm>
-              <a:off x="778886" y="1818931"/>
-              <a:ext cx="1600200" cy="182880"/>
-            </a:xfrm>
-            <a:prstGeom prst="roundRect">
-              <a:avLst/>
-            </a:prstGeom>
-            <a:solidFill>
-              <a:schemeClr val="bg1">
-                <a:lumMod val="95000"/>
-              </a:schemeClr>
-            </a:solidFill>
-            <a:ln>
-              <a:solidFill>
-                <a:schemeClr val="tx1"/>
-              </a:solidFill>
-            </a:ln>
-          </p:spPr>
-          <p:style>
-            <a:lnRef idx="2">
-              <a:schemeClr val="accent1">
-                <a:shade val="50000"/>
-              </a:schemeClr>
-            </a:lnRef>
-            <a:fillRef idx="1">
-              <a:schemeClr val="accent1"/>
-            </a:fillRef>
-            <a:effectRef idx="0">
-              <a:schemeClr val="accent1"/>
-            </a:effectRef>
-            <a:fontRef idx="minor">
-              <a:schemeClr val="lt1"/>
-            </a:fontRef>
-          </p:style>
-          <p:txBody>
-            <a:bodyPr rtlCol="0" anchor="ctr"/>
-            <a:lstStyle/>
-            <a:p>
-              <a:pPr algn="ctr"/>
-              <a:r>
-                <a:rPr lang="en-US" sz="1200" dirty="0" err="1">
-                  <a:solidFill>
-                    <a:schemeClr val="tx1"/>
-                  </a:solidFill>
-                </a:rPr>
-                <a:t>lsat_general_prep</a:t>
-              </a:r>
-              <a:endParaRPr lang="en-US" sz="1200" dirty="0">
-                <a:solidFill>
-                  <a:schemeClr val="tx1"/>
-                </a:solidFill>
-              </a:endParaRPr>
-            </a:p>
-          </p:txBody>
-        </p:sp>
-        <p:cxnSp>
-          <p:nvCxnSpPr>
-            <p:cNvPr id="21" name="Straight Arrow Connector 20">
-              <a:extLst>
-                <a:ext uri="{FF2B5EF4-FFF2-40B4-BE49-F238E27FC236}">
-                  <a16:creationId xmlns:a16="http://schemas.microsoft.com/office/drawing/2014/main" id="{20BE7F0F-871D-417B-ADFC-34484A15B486}"/>
-                </a:ext>
-              </a:extLst>
-            </p:cNvPr>
-            <p:cNvCxnSpPr>
-              <a:cxnSpLocks/>
-              <a:stCxn id="12" idx="2"/>
-              <a:endCxn id="19" idx="0"/>
-            </p:cNvCxnSpPr>
-            <p:nvPr/>
-          </p:nvCxnSpPr>
-          <p:spPr>
-            <a:xfrm>
-              <a:off x="1578986" y="1639226"/>
-              <a:ext cx="0" cy="179705"/>
+            <a:xfrm flipH="1">
+              <a:off x="1578985" y="6063093"/>
+              <a:ext cx="1" cy="237203"/>
             </a:xfrm>
             <a:prstGeom prst="straightConnector1">
               <a:avLst/>
@@ -3611,776 +5073,10 @@
         </p:cxnSp>
         <p:sp>
           <p:nvSpPr>
-            <p:cNvPr id="23" name="Rectangle: Rounded Corners 22">
+            <p:cNvPr id="53" name="TextBox 52">
               <a:extLst>
                 <a:ext uri="{FF2B5EF4-FFF2-40B4-BE49-F238E27FC236}">
-                  <a16:creationId xmlns:a16="http://schemas.microsoft.com/office/drawing/2014/main" id="{E70AEE51-A3D1-414D-B988-97D98A108D64}"/>
-                </a:ext>
-              </a:extLst>
-            </p:cNvPr>
-            <p:cNvSpPr/>
-            <p:nvPr/>
-          </p:nvSpPr>
-          <p:spPr>
-            <a:xfrm>
-              <a:off x="778886" y="2157386"/>
-              <a:ext cx="1600200" cy="182880"/>
-            </a:xfrm>
-            <a:prstGeom prst="roundRect">
-              <a:avLst/>
-            </a:prstGeom>
-            <a:solidFill>
-              <a:schemeClr val="bg1">
-                <a:lumMod val="95000"/>
-              </a:schemeClr>
-            </a:solidFill>
-            <a:ln>
-              <a:solidFill>
-                <a:schemeClr val="tx1"/>
-              </a:solidFill>
-            </a:ln>
-          </p:spPr>
-          <p:style>
-            <a:lnRef idx="2">
-              <a:schemeClr val="accent1">
-                <a:shade val="50000"/>
-              </a:schemeClr>
-            </a:lnRef>
-            <a:fillRef idx="1">
-              <a:schemeClr val="accent1"/>
-            </a:fillRef>
-            <a:effectRef idx="0">
-              <a:schemeClr val="accent1"/>
-            </a:effectRef>
-            <a:fontRef idx="minor">
-              <a:schemeClr val="lt1"/>
-            </a:fontRef>
-          </p:style>
-          <p:txBody>
-            <a:bodyPr rtlCol="0" anchor="ctr"/>
-            <a:lstStyle/>
-            <a:p>
-              <a:pPr algn="ctr"/>
-              <a:r>
-                <a:rPr lang="en-US" sz="1200" dirty="0" err="1">
-                  <a:solidFill>
-                    <a:schemeClr val="tx1"/>
-                  </a:solidFill>
-                </a:rPr>
-                <a:t>lsat_clean_data</a:t>
-              </a:r>
-              <a:endParaRPr lang="en-US" sz="1200" dirty="0">
-                <a:solidFill>
-                  <a:schemeClr val="tx1"/>
-                </a:solidFill>
-              </a:endParaRPr>
-            </a:p>
-          </p:txBody>
-        </p:sp>
-        <p:cxnSp>
-          <p:nvCxnSpPr>
-            <p:cNvPr id="24" name="Straight Arrow Connector 23">
-              <a:extLst>
-                <a:ext uri="{FF2B5EF4-FFF2-40B4-BE49-F238E27FC236}">
-                  <a16:creationId xmlns:a16="http://schemas.microsoft.com/office/drawing/2014/main" id="{BF28F49F-B665-41E8-A081-8BE6C82B4AEC}"/>
-                </a:ext>
-              </a:extLst>
-            </p:cNvPr>
-            <p:cNvCxnSpPr>
-              <a:cxnSpLocks/>
-              <a:stCxn id="19" idx="2"/>
-              <a:endCxn id="23" idx="0"/>
-            </p:cNvCxnSpPr>
-            <p:nvPr/>
-          </p:nvCxnSpPr>
-          <p:spPr>
-            <a:xfrm>
-              <a:off x="1578986" y="2001811"/>
-              <a:ext cx="0" cy="155575"/>
-            </a:xfrm>
-            <a:prstGeom prst="straightConnector1">
-              <a:avLst/>
-            </a:prstGeom>
-            <a:ln>
-              <a:tailEnd type="triangle"/>
-            </a:ln>
-          </p:spPr>
-          <p:style>
-            <a:lnRef idx="1">
-              <a:schemeClr val="dk1"/>
-            </a:lnRef>
-            <a:fillRef idx="0">
-              <a:schemeClr val="dk1"/>
-            </a:fillRef>
-            <a:effectRef idx="0">
-              <a:schemeClr val="dk1"/>
-            </a:effectRef>
-            <a:fontRef idx="minor">
-              <a:schemeClr val="tx1"/>
-            </a:fontRef>
-          </p:style>
-        </p:cxnSp>
-        <p:cxnSp>
-          <p:nvCxnSpPr>
-            <p:cNvPr id="31" name="Straight Arrow Connector 30">
-              <a:extLst>
-                <a:ext uri="{FF2B5EF4-FFF2-40B4-BE49-F238E27FC236}">
-                  <a16:creationId xmlns:a16="http://schemas.microsoft.com/office/drawing/2014/main" id="{F6BFBC8F-2A41-4327-822F-5EA4430E8DA8}"/>
-                </a:ext>
-              </a:extLst>
-            </p:cNvPr>
-            <p:cNvCxnSpPr>
-              <a:cxnSpLocks/>
-              <a:stCxn id="4" idx="2"/>
-              <a:endCxn id="12" idx="0"/>
-            </p:cNvCxnSpPr>
-            <p:nvPr/>
-          </p:nvCxnSpPr>
-          <p:spPr>
-            <a:xfrm flipH="1">
-              <a:off x="1578986" y="563465"/>
-              <a:ext cx="1" cy="892881"/>
-            </a:xfrm>
-            <a:prstGeom prst="straightConnector1">
-              <a:avLst/>
-            </a:prstGeom>
-            <a:ln>
-              <a:tailEnd type="triangle"/>
-            </a:ln>
-          </p:spPr>
-          <p:style>
-            <a:lnRef idx="1">
-              <a:schemeClr val="dk1"/>
-            </a:lnRef>
-            <a:fillRef idx="0">
-              <a:schemeClr val="dk1"/>
-            </a:fillRef>
-            <a:effectRef idx="0">
-              <a:schemeClr val="dk1"/>
-            </a:effectRef>
-            <a:fontRef idx="minor">
-              <a:schemeClr val="tx1"/>
-            </a:fontRef>
-          </p:style>
-        </p:cxnSp>
-        <p:sp>
-          <p:nvSpPr>
-            <p:cNvPr id="33" name="Rectangle: Rounded Corners 32">
-              <a:extLst>
-                <a:ext uri="{FF2B5EF4-FFF2-40B4-BE49-F238E27FC236}">
-                  <a16:creationId xmlns:a16="http://schemas.microsoft.com/office/drawing/2014/main" id="{DD3DD936-8F3A-4ED1-A72F-879D8A87670B}"/>
-                </a:ext>
-              </a:extLst>
-            </p:cNvPr>
-            <p:cNvSpPr/>
-            <p:nvPr/>
-          </p:nvSpPr>
-          <p:spPr>
-            <a:xfrm>
-              <a:off x="2007136" y="2640621"/>
-              <a:ext cx="1836420" cy="182880"/>
-            </a:xfrm>
-            <a:prstGeom prst="roundRect">
-              <a:avLst/>
-            </a:prstGeom>
-            <a:solidFill>
-              <a:schemeClr val="bg1">
-                <a:lumMod val="95000"/>
-              </a:schemeClr>
-            </a:solidFill>
-            <a:ln>
-              <a:solidFill>
-                <a:schemeClr val="tx1"/>
-              </a:solidFill>
-            </a:ln>
-          </p:spPr>
-          <p:style>
-            <a:lnRef idx="2">
-              <a:schemeClr val="accent1">
-                <a:shade val="50000"/>
-              </a:schemeClr>
-            </a:lnRef>
-            <a:fillRef idx="1">
-              <a:schemeClr val="accent1"/>
-            </a:fillRef>
-            <a:effectRef idx="0">
-              <a:schemeClr val="accent1"/>
-            </a:effectRef>
-            <a:fontRef idx="minor">
-              <a:schemeClr val="lt1"/>
-            </a:fontRef>
-          </p:style>
-          <p:txBody>
-            <a:bodyPr rtlCol="0" anchor="ctr"/>
-            <a:lstStyle/>
-            <a:p>
-              <a:pPr algn="ctr"/>
-              <a:r>
-                <a:rPr lang="en-US" sz="1200" dirty="0" err="1">
-                  <a:solidFill>
-                    <a:schemeClr val="tx1"/>
-                  </a:solidFill>
-                </a:rPr>
-                <a:t>lsat_neighborhood</a:t>
-              </a:r>
-              <a:r>
-                <a:rPr lang="en-US" sz="1200" dirty="0">
-                  <a:solidFill>
-                    <a:schemeClr val="tx1"/>
-                  </a:solidFill>
-                </a:rPr>
-                <a:t> _mean</a:t>
-              </a:r>
-            </a:p>
-          </p:txBody>
-        </p:sp>
-        <p:cxnSp>
-          <p:nvCxnSpPr>
-            <p:cNvPr id="34" name="Connector: Elbow 33">
-              <a:extLst>
-                <a:ext uri="{FF2B5EF4-FFF2-40B4-BE49-F238E27FC236}">
-                  <a16:creationId xmlns:a16="http://schemas.microsoft.com/office/drawing/2014/main" id="{61EF4EEE-984C-4E72-A373-D8F43E705001}"/>
-                </a:ext>
-              </a:extLst>
-            </p:cNvPr>
-            <p:cNvCxnSpPr>
-              <a:cxnSpLocks/>
-              <a:stCxn id="23" idx="2"/>
-              <a:endCxn id="33" idx="0"/>
-            </p:cNvCxnSpPr>
-            <p:nvPr/>
-          </p:nvCxnSpPr>
-          <p:spPr>
-            <a:xfrm rot="16200000" flipH="1">
-              <a:off x="2101989" y="1817263"/>
-              <a:ext cx="300355" cy="1346360"/>
-            </a:xfrm>
-            <a:prstGeom prst="bentConnector3">
-              <a:avLst>
-                <a:gd name="adj1" fmla="val 50000"/>
-              </a:avLst>
-            </a:prstGeom>
-            <a:ln>
-              <a:tailEnd type="triangle"/>
-            </a:ln>
-          </p:spPr>
-          <p:style>
-            <a:lnRef idx="1">
-              <a:schemeClr val="dk1"/>
-            </a:lnRef>
-            <a:fillRef idx="0">
-              <a:schemeClr val="dk1"/>
-            </a:fillRef>
-            <a:effectRef idx="0">
-              <a:schemeClr val="dk1"/>
-            </a:effectRef>
-            <a:fontRef idx="minor">
-              <a:schemeClr val="tx1"/>
-            </a:fontRef>
-          </p:style>
-        </p:cxnSp>
-        <p:sp>
-          <p:nvSpPr>
-            <p:cNvPr id="48" name="Rectangle: Rounded Corners 47">
-              <a:extLst>
-                <a:ext uri="{FF2B5EF4-FFF2-40B4-BE49-F238E27FC236}">
-                  <a16:creationId xmlns:a16="http://schemas.microsoft.com/office/drawing/2014/main" id="{38B0BAE8-B2D1-4328-9CD5-8AB5DF7CCBEA}"/>
-                </a:ext>
-              </a:extLst>
-            </p:cNvPr>
-            <p:cNvSpPr/>
-            <p:nvPr/>
-          </p:nvSpPr>
-          <p:spPr>
-            <a:xfrm>
-              <a:off x="778886" y="3119411"/>
-              <a:ext cx="1600200" cy="182880"/>
-            </a:xfrm>
-            <a:prstGeom prst="roundRect">
-              <a:avLst/>
-            </a:prstGeom>
-            <a:solidFill>
-              <a:schemeClr val="bg1">
-                <a:lumMod val="95000"/>
-              </a:schemeClr>
-            </a:solidFill>
-            <a:ln>
-              <a:solidFill>
-                <a:schemeClr val="tx1"/>
-              </a:solidFill>
-            </a:ln>
-          </p:spPr>
-          <p:style>
-            <a:lnRef idx="2">
-              <a:schemeClr val="accent1">
-                <a:shade val="50000"/>
-              </a:schemeClr>
-            </a:lnRef>
-            <a:fillRef idx="1">
-              <a:schemeClr val="accent1"/>
-            </a:fillRef>
-            <a:effectRef idx="0">
-              <a:schemeClr val="accent1"/>
-            </a:effectRef>
-            <a:fontRef idx="minor">
-              <a:schemeClr val="lt1"/>
-            </a:fontRef>
-          </p:style>
-          <p:txBody>
-            <a:bodyPr rtlCol="0" anchor="ctr"/>
-            <a:lstStyle/>
-            <a:p>
-              <a:pPr algn="ctr"/>
-              <a:r>
-                <a:rPr lang="en-US" sz="1200" dirty="0" err="1">
-                  <a:solidFill>
-                    <a:schemeClr val="tx1"/>
-                  </a:solidFill>
-                </a:rPr>
-                <a:t>lsat_calc_spec_index</a:t>
-              </a:r>
-              <a:endParaRPr lang="en-US" sz="1200" dirty="0">
-                <a:solidFill>
-                  <a:schemeClr val="tx1"/>
-                </a:solidFill>
-              </a:endParaRPr>
-            </a:p>
-          </p:txBody>
-        </p:sp>
-        <p:cxnSp>
-          <p:nvCxnSpPr>
-            <p:cNvPr id="49" name="Straight Arrow Connector 48">
-              <a:extLst>
-                <a:ext uri="{FF2B5EF4-FFF2-40B4-BE49-F238E27FC236}">
-                  <a16:creationId xmlns:a16="http://schemas.microsoft.com/office/drawing/2014/main" id="{0136118F-5D6D-4CC8-9127-F5F32F6996A9}"/>
-                </a:ext>
-              </a:extLst>
-            </p:cNvPr>
-            <p:cNvCxnSpPr>
-              <a:cxnSpLocks/>
-              <a:stCxn id="23" idx="2"/>
-              <a:endCxn id="48" idx="0"/>
-            </p:cNvCxnSpPr>
-            <p:nvPr/>
-          </p:nvCxnSpPr>
-          <p:spPr>
-            <a:xfrm>
-              <a:off x="1578986" y="2340266"/>
-              <a:ext cx="0" cy="779145"/>
-            </a:xfrm>
-            <a:prstGeom prst="straightConnector1">
-              <a:avLst/>
-            </a:prstGeom>
-            <a:ln>
-              <a:tailEnd type="triangle"/>
-            </a:ln>
-          </p:spPr>
-          <p:style>
-            <a:lnRef idx="1">
-              <a:schemeClr val="dk1"/>
-            </a:lnRef>
-            <a:fillRef idx="0">
-              <a:schemeClr val="dk1"/>
-            </a:fillRef>
-            <a:effectRef idx="0">
-              <a:schemeClr val="dk1"/>
-            </a:effectRef>
-            <a:fontRef idx="minor">
-              <a:schemeClr val="tx1"/>
-            </a:fontRef>
-          </p:style>
-        </p:cxnSp>
-        <p:cxnSp>
-          <p:nvCxnSpPr>
-            <p:cNvPr id="51" name="Connector: Elbow 50">
-              <a:extLst>
-                <a:ext uri="{FF2B5EF4-FFF2-40B4-BE49-F238E27FC236}">
-                  <a16:creationId xmlns:a16="http://schemas.microsoft.com/office/drawing/2014/main" id="{A6979ED2-038A-4FB1-AE4A-A4016987D9C6}"/>
-                </a:ext>
-              </a:extLst>
-            </p:cNvPr>
-            <p:cNvCxnSpPr>
-              <a:cxnSpLocks/>
-              <a:stCxn id="33" idx="2"/>
-              <a:endCxn id="48" idx="0"/>
-            </p:cNvCxnSpPr>
-            <p:nvPr/>
-          </p:nvCxnSpPr>
-          <p:spPr>
-            <a:xfrm rot="5400000">
-              <a:off x="2104211" y="2298276"/>
-              <a:ext cx="295910" cy="1346360"/>
-            </a:xfrm>
-            <a:prstGeom prst="bentConnector3">
-              <a:avLst>
-                <a:gd name="adj1" fmla="val 50000"/>
-              </a:avLst>
-            </a:prstGeom>
-            <a:ln>
-              <a:tailEnd type="triangle"/>
-            </a:ln>
-          </p:spPr>
-          <p:style>
-            <a:lnRef idx="1">
-              <a:schemeClr val="dk1"/>
-            </a:lnRef>
-            <a:fillRef idx="0">
-              <a:schemeClr val="dk1"/>
-            </a:fillRef>
-            <a:effectRef idx="0">
-              <a:schemeClr val="dk1"/>
-            </a:effectRef>
-            <a:fontRef idx="minor">
-              <a:schemeClr val="tx1"/>
-            </a:fontRef>
-          </p:style>
-        </p:cxnSp>
-        <p:sp>
-          <p:nvSpPr>
-            <p:cNvPr id="55" name="Rectangle: Rounded Corners 54">
-              <a:extLst>
-                <a:ext uri="{FF2B5EF4-FFF2-40B4-BE49-F238E27FC236}">
-                  <a16:creationId xmlns:a16="http://schemas.microsoft.com/office/drawing/2014/main" id="{BD309F3D-7C94-42B5-8DD0-6AD5330A3AB5}"/>
-                </a:ext>
-              </a:extLst>
-            </p:cNvPr>
-            <p:cNvSpPr/>
-            <p:nvPr/>
-          </p:nvSpPr>
-          <p:spPr>
-            <a:xfrm>
-              <a:off x="574099" y="4514354"/>
-              <a:ext cx="2009775" cy="182880"/>
-            </a:xfrm>
-            <a:prstGeom prst="roundRect">
-              <a:avLst/>
-            </a:prstGeom>
-            <a:solidFill>
-              <a:schemeClr val="bg1">
-                <a:lumMod val="95000"/>
-              </a:schemeClr>
-            </a:solidFill>
-            <a:ln>
-              <a:solidFill>
-                <a:schemeClr val="tx1"/>
-              </a:solidFill>
-            </a:ln>
-          </p:spPr>
-          <p:style>
-            <a:lnRef idx="2">
-              <a:schemeClr val="accent1">
-                <a:shade val="50000"/>
-              </a:schemeClr>
-            </a:lnRef>
-            <a:fillRef idx="1">
-              <a:schemeClr val="accent1"/>
-            </a:fillRef>
-            <a:effectRef idx="0">
-              <a:schemeClr val="accent1"/>
-            </a:effectRef>
-            <a:fontRef idx="minor">
-              <a:schemeClr val="lt1"/>
-            </a:fontRef>
-          </p:style>
-          <p:txBody>
-            <a:bodyPr rtlCol="0" anchor="ctr"/>
-            <a:lstStyle/>
-            <a:p>
-              <a:pPr algn="ctr"/>
-              <a:r>
-                <a:rPr lang="en-US" sz="1200" i="1" dirty="0" err="1">
-                  <a:solidFill>
-                    <a:schemeClr val="tx1"/>
-                  </a:solidFill>
-                </a:rPr>
-                <a:t>lsat_fit_phenological_curves</a:t>
-              </a:r>
-              <a:endParaRPr lang="en-US" sz="1200" i="1" dirty="0">
-                <a:solidFill>
-                  <a:schemeClr val="tx1"/>
-                </a:solidFill>
-              </a:endParaRPr>
-            </a:p>
-          </p:txBody>
-        </p:sp>
-        <p:sp>
-          <p:nvSpPr>
-            <p:cNvPr id="56" name="Rectangle: Rounded Corners 55">
-              <a:extLst>
-                <a:ext uri="{FF2B5EF4-FFF2-40B4-BE49-F238E27FC236}">
-                  <a16:creationId xmlns:a16="http://schemas.microsoft.com/office/drawing/2014/main" id="{63FEB090-D6A7-407A-9ECA-95083F358875}"/>
-                </a:ext>
-              </a:extLst>
-            </p:cNvPr>
-            <p:cNvSpPr/>
-            <p:nvPr/>
-          </p:nvSpPr>
-          <p:spPr>
-            <a:xfrm>
-              <a:off x="427890" y="4990589"/>
-              <a:ext cx="2302192" cy="182880"/>
-            </a:xfrm>
-            <a:prstGeom prst="roundRect">
-              <a:avLst/>
-            </a:prstGeom>
-            <a:solidFill>
-              <a:schemeClr val="bg1">
-                <a:lumMod val="95000"/>
-              </a:schemeClr>
-            </a:solidFill>
-            <a:ln>
-              <a:solidFill>
-                <a:schemeClr val="tx1"/>
-              </a:solidFill>
-            </a:ln>
-          </p:spPr>
-          <p:style>
-            <a:lnRef idx="2">
-              <a:schemeClr val="accent1">
-                <a:shade val="50000"/>
-              </a:schemeClr>
-            </a:lnRef>
-            <a:fillRef idx="1">
-              <a:schemeClr val="accent1"/>
-            </a:fillRef>
-            <a:effectRef idx="0">
-              <a:schemeClr val="accent1"/>
-            </a:effectRef>
-            <a:fontRef idx="minor">
-              <a:schemeClr val="lt1"/>
-            </a:fontRef>
-          </p:style>
-          <p:txBody>
-            <a:bodyPr rtlCol="0" anchor="ctr"/>
-            <a:lstStyle/>
-            <a:p>
-              <a:pPr algn="ctr"/>
-              <a:r>
-                <a:rPr lang="en-US" sz="1200" i="1" dirty="0" err="1">
-                  <a:solidFill>
-                    <a:schemeClr val="tx1"/>
-                  </a:solidFill>
-                </a:rPr>
-                <a:t>lsat_summarize_growing_season</a:t>
-              </a:r>
-              <a:endParaRPr lang="en-US" sz="1200" i="1" dirty="0">
-                <a:solidFill>
-                  <a:schemeClr val="tx1"/>
-                </a:solidFill>
-              </a:endParaRPr>
-            </a:p>
-          </p:txBody>
-        </p:sp>
-        <p:sp>
-          <p:nvSpPr>
-            <p:cNvPr id="57" name="Rectangle: Rounded Corners 56">
-              <a:extLst>
-                <a:ext uri="{FF2B5EF4-FFF2-40B4-BE49-F238E27FC236}">
-                  <a16:creationId xmlns:a16="http://schemas.microsoft.com/office/drawing/2014/main" id="{216D7B21-CCFB-4AF4-BAB0-1FD98FFCDBA8}"/>
-                </a:ext>
-              </a:extLst>
-            </p:cNvPr>
-            <p:cNvSpPr/>
-            <p:nvPr/>
-          </p:nvSpPr>
-          <p:spPr>
-            <a:xfrm>
-              <a:off x="1728053" y="5466685"/>
-              <a:ext cx="2394586" cy="182880"/>
-            </a:xfrm>
-            <a:prstGeom prst="roundRect">
-              <a:avLst/>
-            </a:prstGeom>
-            <a:solidFill>
-              <a:schemeClr val="bg1">
-                <a:lumMod val="95000"/>
-              </a:schemeClr>
-            </a:solidFill>
-            <a:ln>
-              <a:solidFill>
-                <a:schemeClr val="tx1"/>
-              </a:solidFill>
-            </a:ln>
-          </p:spPr>
-          <p:style>
-            <a:lnRef idx="2">
-              <a:schemeClr val="accent1">
-                <a:shade val="50000"/>
-              </a:schemeClr>
-            </a:lnRef>
-            <a:fillRef idx="1">
-              <a:schemeClr val="accent1"/>
-            </a:fillRef>
-            <a:effectRef idx="0">
-              <a:schemeClr val="accent1"/>
-            </a:effectRef>
-            <a:fontRef idx="minor">
-              <a:schemeClr val="lt1"/>
-            </a:fontRef>
-          </p:style>
-          <p:txBody>
-            <a:bodyPr rtlCol="0" anchor="ctr"/>
-            <a:lstStyle/>
-            <a:p>
-              <a:pPr algn="ctr"/>
-              <a:r>
-                <a:rPr lang="en-US" sz="1200" i="1" dirty="0" err="1">
-                  <a:solidFill>
-                    <a:schemeClr val="tx1"/>
-                  </a:solidFill>
-                </a:rPr>
-                <a:t>lsat_evaluate_phenological_max</a:t>
-              </a:r>
-              <a:endParaRPr lang="en-US" sz="1200" i="1" dirty="0">
-                <a:solidFill>
-                  <a:schemeClr val="tx1"/>
-                </a:solidFill>
-              </a:endParaRPr>
-            </a:p>
-          </p:txBody>
-        </p:sp>
-        <p:sp>
-          <p:nvSpPr>
-            <p:cNvPr id="58" name="Rectangle: Rounded Corners 57">
-              <a:extLst>
-                <a:ext uri="{FF2B5EF4-FFF2-40B4-BE49-F238E27FC236}">
-                  <a16:creationId xmlns:a16="http://schemas.microsoft.com/office/drawing/2014/main" id="{8248FA13-00D7-496A-8808-465F2BC9FD7C}"/>
-                </a:ext>
-              </a:extLst>
-            </p:cNvPr>
-            <p:cNvSpPr/>
-            <p:nvPr/>
-          </p:nvSpPr>
-          <p:spPr>
-            <a:xfrm>
-              <a:off x="778886" y="5823063"/>
-              <a:ext cx="1600200" cy="182880"/>
-            </a:xfrm>
-            <a:prstGeom prst="roundRect">
-              <a:avLst/>
-            </a:prstGeom>
-            <a:solidFill>
-              <a:schemeClr val="bg1">
-                <a:lumMod val="95000"/>
-              </a:schemeClr>
-            </a:solidFill>
-            <a:ln>
-              <a:solidFill>
-                <a:schemeClr val="tx1"/>
-              </a:solidFill>
-            </a:ln>
-          </p:spPr>
-          <p:style>
-            <a:lnRef idx="2">
-              <a:schemeClr val="accent1">
-                <a:shade val="50000"/>
-              </a:schemeClr>
-            </a:lnRef>
-            <a:fillRef idx="1">
-              <a:schemeClr val="accent1"/>
-            </a:fillRef>
-            <a:effectRef idx="0">
-              <a:schemeClr val="accent1"/>
-            </a:effectRef>
-            <a:fontRef idx="minor">
-              <a:schemeClr val="lt1"/>
-            </a:fontRef>
-          </p:style>
-          <p:txBody>
-            <a:bodyPr rtlCol="0" anchor="ctr"/>
-            <a:lstStyle/>
-            <a:p>
-              <a:pPr algn="ctr"/>
-              <a:r>
-                <a:rPr lang="en-US" sz="1200" i="1" dirty="0" err="1">
-                  <a:solidFill>
-                    <a:schemeClr val="tx1"/>
-                  </a:solidFill>
-                </a:rPr>
-                <a:t>lsat_calc_trend</a:t>
-              </a:r>
-              <a:endParaRPr lang="en-US" sz="1200" i="1" dirty="0">
-                <a:solidFill>
-                  <a:schemeClr val="tx1"/>
-                </a:solidFill>
-              </a:endParaRPr>
-            </a:p>
-          </p:txBody>
-        </p:sp>
-        <p:sp>
-          <p:nvSpPr>
-            <p:cNvPr id="59" name="Rectangle: Rounded Corners 58">
-              <a:extLst>
-                <a:ext uri="{FF2B5EF4-FFF2-40B4-BE49-F238E27FC236}">
-                  <a16:creationId xmlns:a16="http://schemas.microsoft.com/office/drawing/2014/main" id="{0AEF80FF-3308-485C-8A89-E57EFFB5CE46}"/>
-                </a:ext>
-              </a:extLst>
-            </p:cNvPr>
-            <p:cNvSpPr/>
-            <p:nvPr/>
-          </p:nvSpPr>
-          <p:spPr>
-            <a:xfrm>
-              <a:off x="1920459" y="3616297"/>
-              <a:ext cx="2009775" cy="182880"/>
-            </a:xfrm>
-            <a:prstGeom prst="roundRect">
-              <a:avLst/>
-            </a:prstGeom>
-            <a:solidFill>
-              <a:schemeClr val="bg1">
-                <a:lumMod val="95000"/>
-              </a:schemeClr>
-            </a:solidFill>
-            <a:ln>
-              <a:solidFill>
-                <a:schemeClr val="tx1"/>
-              </a:solidFill>
-            </a:ln>
-          </p:spPr>
-          <p:style>
-            <a:lnRef idx="2">
-              <a:schemeClr val="accent1">
-                <a:shade val="50000"/>
-              </a:schemeClr>
-            </a:lnRef>
-            <a:fillRef idx="1">
-              <a:schemeClr val="accent1"/>
-            </a:fillRef>
-            <a:effectRef idx="0">
-              <a:schemeClr val="accent1"/>
-            </a:effectRef>
-            <a:fontRef idx="minor">
-              <a:schemeClr val="lt1"/>
-            </a:fontRef>
-          </p:style>
-          <p:txBody>
-            <a:bodyPr rtlCol="0" anchor="ctr"/>
-            <a:lstStyle/>
-            <a:p>
-              <a:pPr algn="ctr"/>
-              <a:r>
-                <a:rPr lang="en-US" sz="1200" dirty="0" err="1">
-                  <a:solidFill>
-                    <a:schemeClr val="tx1"/>
-                  </a:solidFill>
-                </a:rPr>
-                <a:t>lsat_summarize_data_avail</a:t>
-              </a:r>
-              <a:endParaRPr lang="en-US" sz="1200" dirty="0">
-                <a:solidFill>
-                  <a:schemeClr val="tx1"/>
-                </a:solidFill>
-              </a:endParaRPr>
-            </a:p>
-          </p:txBody>
-        </p:sp>
-        <p:sp>
-          <p:nvSpPr>
-            <p:cNvPr id="60" name="TextBox 59">
-              <a:extLst>
-                <a:ext uri="{FF2B5EF4-FFF2-40B4-BE49-F238E27FC236}">
-                  <a16:creationId xmlns:a16="http://schemas.microsoft.com/office/drawing/2014/main" id="{E5132F42-B82C-4D84-957E-90B815C34AD5}"/>
+                  <a16:creationId xmlns:a16="http://schemas.microsoft.com/office/drawing/2014/main" id="{D52D6606-3646-4EF9-BBE6-1AFD2A2EA740}"/>
                 </a:ext>
               </a:extLst>
             </p:cNvPr>
@@ -4389,8 +5085,8 @@
           </p:nvSpPr>
           <p:spPr>
             <a:xfrm>
-              <a:off x="1610426" y="550203"/>
-              <a:ext cx="675185" cy="253916"/>
+              <a:off x="411930" y="6128840"/>
+              <a:ext cx="352666" cy="369332"/>
             </a:xfrm>
             <a:prstGeom prst="rect">
               <a:avLst/>
@@ -4398,25 +5094,29 @@
             <a:noFill/>
           </p:spPr>
           <p:txBody>
-            <a:bodyPr wrap="none" rtlCol="0">
+            <a:bodyPr wrap="square">
               <a:spAutoFit/>
             </a:bodyPr>
             <a:lstStyle/>
             <a:p>
               <a:r>
-                <a:rPr lang="en-US" sz="1050" dirty="0"/>
-                <a:t>polygons</a:t>
+                <a:rPr lang="en-US" sz="1800" i="1" dirty="0">
+                  <a:solidFill>
+                    <a:schemeClr val="tx1"/>
+                  </a:solidFill>
+                </a:rPr>
+                <a:t>…</a:t>
               </a:r>
-              <a:endParaRPr lang="en-US" sz="1100" dirty="0"/>
+              <a:endParaRPr lang="en-US" dirty="0"/>
             </a:p>
           </p:txBody>
         </p:sp>
         <p:sp>
           <p:nvSpPr>
-            <p:cNvPr id="63" name="TextBox 62">
+            <p:cNvPr id="54" name="TextBox 53">
               <a:extLst>
                 <a:ext uri="{FF2B5EF4-FFF2-40B4-BE49-F238E27FC236}">
-                  <a16:creationId xmlns:a16="http://schemas.microsoft.com/office/drawing/2014/main" id="{693DE51F-817B-49A8-9AF7-FECA140F580E}"/>
+                  <a16:creationId xmlns:a16="http://schemas.microsoft.com/office/drawing/2014/main" id="{61A7EC69-27FF-4100-9FE7-56A2B54AEE11}"/>
                 </a:ext>
               </a:extLst>
             </p:cNvPr>
@@ -4425,8 +5125,8 @@
           </p:nvSpPr>
           <p:spPr>
             <a:xfrm>
-              <a:off x="1092107" y="550203"/>
-              <a:ext cx="524503" cy="253916"/>
+              <a:off x="1416941" y="6139040"/>
+              <a:ext cx="352666" cy="369332"/>
             </a:xfrm>
             <a:prstGeom prst="rect">
               <a:avLst/>
@@ -4434,536 +5134,20 @@
             <a:noFill/>
           </p:spPr>
           <p:txBody>
-            <a:bodyPr wrap="none" rtlCol="0">
+            <a:bodyPr wrap="square">
               <a:spAutoFit/>
             </a:bodyPr>
             <a:lstStyle/>
             <a:p>
               <a:r>
-                <a:rPr lang="en-US" sz="1050" dirty="0"/>
-                <a:t>points</a:t>
-              </a:r>
-              <a:endParaRPr lang="en-US" sz="1100" dirty="0"/>
-            </a:p>
-          </p:txBody>
-        </p:sp>
-        <p:sp>
-          <p:nvSpPr>
-            <p:cNvPr id="67" name="TextBox 66">
-              <a:extLst>
-                <a:ext uri="{FF2B5EF4-FFF2-40B4-BE49-F238E27FC236}">
-                  <a16:creationId xmlns:a16="http://schemas.microsoft.com/office/drawing/2014/main" id="{3E97EEAF-975A-4D96-A08C-44311D433AAD}"/>
-                </a:ext>
-              </a:extLst>
-            </p:cNvPr>
-            <p:cNvSpPr txBox="1"/>
-            <p:nvPr/>
-          </p:nvSpPr>
-          <p:spPr>
-            <a:xfrm>
-              <a:off x="2848748" y="308286"/>
-              <a:ext cx="1343829" cy="307777"/>
-            </a:xfrm>
-            <a:prstGeom prst="rect">
-              <a:avLst/>
-            </a:prstGeom>
-            <a:noFill/>
-          </p:spPr>
-          <p:txBody>
-            <a:bodyPr wrap="none" rtlCol="0">
-              <a:spAutoFit/>
-            </a:bodyPr>
-            <a:lstStyle/>
-            <a:p>
-              <a:r>
-                <a:rPr lang="en-US" sz="1400" b="1" dirty="0">
-                  <a:solidFill>
-                    <a:schemeClr val="accent1">
-                      <a:lumMod val="50000"/>
-                    </a:schemeClr>
-                  </a:solidFill>
-                </a:rPr>
-                <a:t>Data extraction</a:t>
-              </a:r>
-            </a:p>
-          </p:txBody>
-        </p:sp>
-        <p:sp>
-          <p:nvSpPr>
-            <p:cNvPr id="69" name="TextBox 68">
-              <a:extLst>
-                <a:ext uri="{FF2B5EF4-FFF2-40B4-BE49-F238E27FC236}">
-                  <a16:creationId xmlns:a16="http://schemas.microsoft.com/office/drawing/2014/main" id="{E235E8D9-81F0-4DF0-A2E1-EABA9D1DE790}"/>
-                </a:ext>
-              </a:extLst>
-            </p:cNvPr>
-            <p:cNvSpPr txBox="1"/>
-            <p:nvPr/>
-          </p:nvSpPr>
-          <p:spPr>
-            <a:xfrm>
-              <a:off x="2844227" y="1712767"/>
-              <a:ext cx="1352871" cy="307777"/>
-            </a:xfrm>
-            <a:prstGeom prst="rect">
-              <a:avLst/>
-            </a:prstGeom>
-            <a:noFill/>
-          </p:spPr>
-          <p:txBody>
-            <a:bodyPr wrap="none" rtlCol="0">
-              <a:spAutoFit/>
-            </a:bodyPr>
-            <a:lstStyle/>
-            <a:p>
-              <a:r>
-                <a:rPr lang="en-US" sz="1400" b="1" dirty="0">
-                  <a:solidFill>
-                    <a:schemeClr val="accent2">
-                      <a:lumMod val="50000"/>
-                    </a:schemeClr>
-                  </a:solidFill>
-                </a:rPr>
-                <a:t>Data processing</a:t>
-              </a:r>
-            </a:p>
-          </p:txBody>
-        </p:sp>
-        <p:sp>
-          <p:nvSpPr>
-            <p:cNvPr id="70" name="Rectangle: Rounded Corners 69">
-              <a:extLst>
-                <a:ext uri="{FF2B5EF4-FFF2-40B4-BE49-F238E27FC236}">
-                  <a16:creationId xmlns:a16="http://schemas.microsoft.com/office/drawing/2014/main" id="{399C1309-FDD0-4373-8066-E8EAC52E7788}"/>
-                </a:ext>
-              </a:extLst>
-            </p:cNvPr>
-            <p:cNvSpPr/>
-            <p:nvPr/>
-          </p:nvSpPr>
-          <p:spPr>
-            <a:xfrm>
-              <a:off x="960856" y="4056988"/>
-              <a:ext cx="1236261" cy="182880"/>
-            </a:xfrm>
-            <a:prstGeom prst="roundRect">
-              <a:avLst/>
-            </a:prstGeom>
-            <a:solidFill>
-              <a:schemeClr val="bg1">
-                <a:lumMod val="95000"/>
-              </a:schemeClr>
-            </a:solidFill>
-            <a:ln>
-              <a:solidFill>
-                <a:schemeClr val="tx1"/>
-              </a:solidFill>
-            </a:ln>
-          </p:spPr>
-          <p:style>
-            <a:lnRef idx="2">
-              <a:schemeClr val="accent1">
-                <a:shade val="50000"/>
-              </a:schemeClr>
-            </a:lnRef>
-            <a:fillRef idx="1">
-              <a:schemeClr val="accent1"/>
-            </a:fillRef>
-            <a:effectRef idx="0">
-              <a:schemeClr val="accent1"/>
-            </a:effectRef>
-            <a:fontRef idx="minor">
-              <a:schemeClr val="lt1"/>
-            </a:fontRef>
-          </p:style>
-          <p:txBody>
-            <a:bodyPr rtlCol="0" anchor="ctr"/>
-            <a:lstStyle/>
-            <a:p>
-              <a:pPr algn="ctr"/>
-              <a:r>
-                <a:rPr lang="en-US" sz="1200" dirty="0" err="1">
+                <a:rPr lang="en-US" sz="1800" i="1" dirty="0">
                   <a:solidFill>
                     <a:schemeClr val="tx1"/>
                   </a:solidFill>
                 </a:rPr>
-                <a:t>lsat_calibrate_rf</a:t>
+                <a:t>…</a:t>
               </a:r>
-              <a:endParaRPr lang="en-US" sz="1200" dirty="0">
-                <a:solidFill>
-                  <a:schemeClr val="tx1"/>
-                </a:solidFill>
-              </a:endParaRPr>
-            </a:p>
-          </p:txBody>
-        </p:sp>
-        <p:cxnSp>
-          <p:nvCxnSpPr>
-            <p:cNvPr id="74" name="Connector: Elbow 73">
-              <a:extLst>
-                <a:ext uri="{FF2B5EF4-FFF2-40B4-BE49-F238E27FC236}">
-                  <a16:creationId xmlns:a16="http://schemas.microsoft.com/office/drawing/2014/main" id="{2D289FC2-646D-4EE3-8B26-C3B14B7B3277}"/>
-                </a:ext>
-              </a:extLst>
-            </p:cNvPr>
-            <p:cNvCxnSpPr>
-              <a:cxnSpLocks/>
-              <a:stCxn id="48" idx="2"/>
-              <a:endCxn id="59" idx="0"/>
-            </p:cNvCxnSpPr>
-            <p:nvPr/>
-          </p:nvCxnSpPr>
-          <p:spPr>
-            <a:xfrm rot="16200000" flipH="1">
-              <a:off x="2095163" y="2786113"/>
-              <a:ext cx="314006" cy="1346361"/>
-            </a:xfrm>
-            <a:prstGeom prst="bentConnector3">
-              <a:avLst>
-                <a:gd name="adj1" fmla="val 50000"/>
-              </a:avLst>
-            </a:prstGeom>
-            <a:ln>
-              <a:tailEnd type="triangle"/>
-            </a:ln>
-          </p:spPr>
-          <p:style>
-            <a:lnRef idx="1">
-              <a:schemeClr val="dk1"/>
-            </a:lnRef>
-            <a:fillRef idx="0">
-              <a:schemeClr val="dk1"/>
-            </a:fillRef>
-            <a:effectRef idx="0">
-              <a:schemeClr val="dk1"/>
-            </a:effectRef>
-            <a:fontRef idx="minor">
-              <a:schemeClr val="tx1"/>
-            </a:fontRef>
-          </p:style>
-        </p:cxnSp>
-        <p:cxnSp>
-          <p:nvCxnSpPr>
-            <p:cNvPr id="78" name="Straight Arrow Connector 77">
-              <a:extLst>
-                <a:ext uri="{FF2B5EF4-FFF2-40B4-BE49-F238E27FC236}">
-                  <a16:creationId xmlns:a16="http://schemas.microsoft.com/office/drawing/2014/main" id="{B355CAE9-C47C-4E60-9474-806779F429E5}"/>
-                </a:ext>
-              </a:extLst>
-            </p:cNvPr>
-            <p:cNvCxnSpPr>
-              <a:cxnSpLocks/>
-              <a:stCxn id="48" idx="2"/>
-              <a:endCxn id="70" idx="0"/>
-            </p:cNvCxnSpPr>
-            <p:nvPr/>
-          </p:nvCxnSpPr>
-          <p:spPr>
-            <a:xfrm>
-              <a:off x="1578986" y="3302291"/>
-              <a:ext cx="1" cy="754697"/>
-            </a:xfrm>
-            <a:prstGeom prst="straightConnector1">
-              <a:avLst/>
-            </a:prstGeom>
-            <a:ln>
-              <a:tailEnd type="triangle"/>
-            </a:ln>
-          </p:spPr>
-          <p:style>
-            <a:lnRef idx="1">
-              <a:schemeClr val="dk1"/>
-            </a:lnRef>
-            <a:fillRef idx="0">
-              <a:schemeClr val="dk1"/>
-            </a:fillRef>
-            <a:effectRef idx="0">
-              <a:schemeClr val="dk1"/>
-            </a:effectRef>
-            <a:fontRef idx="minor">
-              <a:schemeClr val="tx1"/>
-            </a:fontRef>
-          </p:style>
-        </p:cxnSp>
-        <p:cxnSp>
-          <p:nvCxnSpPr>
-            <p:cNvPr id="91" name="Straight Arrow Connector 90">
-              <a:extLst>
-                <a:ext uri="{FF2B5EF4-FFF2-40B4-BE49-F238E27FC236}">
-                  <a16:creationId xmlns:a16="http://schemas.microsoft.com/office/drawing/2014/main" id="{9C09601B-84DC-4146-9FE8-84846FE0750A}"/>
-                </a:ext>
-              </a:extLst>
-            </p:cNvPr>
-            <p:cNvCxnSpPr>
-              <a:cxnSpLocks/>
-              <a:stCxn id="70" idx="2"/>
-              <a:endCxn id="55" idx="0"/>
-            </p:cNvCxnSpPr>
-            <p:nvPr/>
-          </p:nvCxnSpPr>
-          <p:spPr>
-            <a:xfrm>
-              <a:off x="1578987" y="4239868"/>
-              <a:ext cx="0" cy="274486"/>
-            </a:xfrm>
-            <a:prstGeom prst="straightConnector1">
-              <a:avLst/>
-            </a:prstGeom>
-            <a:ln>
-              <a:tailEnd type="triangle"/>
-            </a:ln>
-          </p:spPr>
-          <p:style>
-            <a:lnRef idx="1">
-              <a:schemeClr val="dk1"/>
-            </a:lnRef>
-            <a:fillRef idx="0">
-              <a:schemeClr val="dk1"/>
-            </a:fillRef>
-            <a:effectRef idx="0">
-              <a:schemeClr val="dk1"/>
-            </a:effectRef>
-            <a:fontRef idx="minor">
-              <a:schemeClr val="tx1"/>
-            </a:fontRef>
-          </p:style>
-        </p:cxnSp>
-        <p:cxnSp>
-          <p:nvCxnSpPr>
-            <p:cNvPr id="95" name="Straight Arrow Connector 94">
-              <a:extLst>
-                <a:ext uri="{FF2B5EF4-FFF2-40B4-BE49-F238E27FC236}">
-                  <a16:creationId xmlns:a16="http://schemas.microsoft.com/office/drawing/2014/main" id="{E127B196-4D2F-47FE-A788-EFA20B2E7B66}"/>
-                </a:ext>
-              </a:extLst>
-            </p:cNvPr>
-            <p:cNvCxnSpPr>
-              <a:cxnSpLocks/>
-              <a:stCxn id="55" idx="2"/>
-              <a:endCxn id="56" idx="0"/>
-            </p:cNvCxnSpPr>
-            <p:nvPr/>
-          </p:nvCxnSpPr>
-          <p:spPr>
-            <a:xfrm flipH="1">
-              <a:off x="1578986" y="4697234"/>
-              <a:ext cx="1" cy="293355"/>
-            </a:xfrm>
-            <a:prstGeom prst="straightConnector1">
-              <a:avLst/>
-            </a:prstGeom>
-            <a:ln>
-              <a:tailEnd type="triangle"/>
-            </a:ln>
-          </p:spPr>
-          <p:style>
-            <a:lnRef idx="1">
-              <a:schemeClr val="dk1"/>
-            </a:lnRef>
-            <a:fillRef idx="0">
-              <a:schemeClr val="dk1"/>
-            </a:fillRef>
-            <a:effectRef idx="0">
-              <a:schemeClr val="dk1"/>
-            </a:effectRef>
-            <a:fontRef idx="minor">
-              <a:schemeClr val="tx1"/>
-            </a:fontRef>
-          </p:style>
-        </p:cxnSp>
-        <p:cxnSp>
-          <p:nvCxnSpPr>
-            <p:cNvPr id="99" name="Connector: Elbow 98">
-              <a:extLst>
-                <a:ext uri="{FF2B5EF4-FFF2-40B4-BE49-F238E27FC236}">
-                  <a16:creationId xmlns:a16="http://schemas.microsoft.com/office/drawing/2014/main" id="{238D9827-01B4-4410-BC7C-E01D84A06887}"/>
-                </a:ext>
-              </a:extLst>
-            </p:cNvPr>
-            <p:cNvCxnSpPr>
-              <a:cxnSpLocks/>
-              <a:stCxn id="56" idx="2"/>
-              <a:endCxn id="57" idx="0"/>
-            </p:cNvCxnSpPr>
-            <p:nvPr/>
-          </p:nvCxnSpPr>
-          <p:spPr>
-            <a:xfrm rot="16200000" flipH="1">
-              <a:off x="2105558" y="4646897"/>
-              <a:ext cx="293216" cy="1346360"/>
-            </a:xfrm>
-            <a:prstGeom prst="bentConnector3">
-              <a:avLst>
-                <a:gd name="adj1" fmla="val 50000"/>
-              </a:avLst>
-            </a:prstGeom>
-            <a:ln>
-              <a:tailEnd type="triangle"/>
-            </a:ln>
-          </p:spPr>
-          <p:style>
-            <a:lnRef idx="1">
-              <a:schemeClr val="dk1"/>
-            </a:lnRef>
-            <a:fillRef idx="0">
-              <a:schemeClr val="dk1"/>
-            </a:fillRef>
-            <a:effectRef idx="0">
-              <a:schemeClr val="dk1"/>
-            </a:effectRef>
-            <a:fontRef idx="minor">
-              <a:schemeClr val="tx1"/>
-            </a:fontRef>
-          </p:style>
-        </p:cxnSp>
-        <p:cxnSp>
-          <p:nvCxnSpPr>
-            <p:cNvPr id="102" name="Straight Arrow Connector 101">
-              <a:extLst>
-                <a:ext uri="{FF2B5EF4-FFF2-40B4-BE49-F238E27FC236}">
-                  <a16:creationId xmlns:a16="http://schemas.microsoft.com/office/drawing/2014/main" id="{653263E0-279C-4242-98D6-EBDE94BE00D6}"/>
-                </a:ext>
-              </a:extLst>
-            </p:cNvPr>
-            <p:cNvCxnSpPr>
-              <a:cxnSpLocks/>
-              <a:stCxn id="56" idx="2"/>
-              <a:endCxn id="58" idx="0"/>
-            </p:cNvCxnSpPr>
-            <p:nvPr/>
-          </p:nvCxnSpPr>
-          <p:spPr>
-            <a:xfrm>
-              <a:off x="1578986" y="5173469"/>
-              <a:ext cx="0" cy="649594"/>
-            </a:xfrm>
-            <a:prstGeom prst="straightConnector1">
-              <a:avLst/>
-            </a:prstGeom>
-            <a:ln>
-              <a:tailEnd type="triangle"/>
-            </a:ln>
-          </p:spPr>
-          <p:style>
-            <a:lnRef idx="1">
-              <a:schemeClr val="dk1"/>
-            </a:lnRef>
-            <a:fillRef idx="0">
-              <a:schemeClr val="dk1"/>
-            </a:fillRef>
-            <a:effectRef idx="0">
-              <a:schemeClr val="dk1"/>
-            </a:effectRef>
-            <a:fontRef idx="minor">
-              <a:schemeClr val="tx1"/>
-            </a:fontRef>
-          </p:style>
-        </p:cxnSp>
-        <p:sp>
-          <p:nvSpPr>
-            <p:cNvPr id="107" name="TextBox 106">
-              <a:extLst>
-                <a:ext uri="{FF2B5EF4-FFF2-40B4-BE49-F238E27FC236}">
-                  <a16:creationId xmlns:a16="http://schemas.microsoft.com/office/drawing/2014/main" id="{2E8A83C7-EBA3-4AA9-8386-3B3442F50C35}"/>
-                </a:ext>
-              </a:extLst>
-            </p:cNvPr>
-            <p:cNvSpPr txBox="1"/>
-            <p:nvPr/>
-          </p:nvSpPr>
-          <p:spPr>
-            <a:xfrm>
-              <a:off x="3316525" y="2435335"/>
-              <a:ext cx="636713" cy="253916"/>
-            </a:xfrm>
-            <a:prstGeom prst="rect">
-              <a:avLst/>
-            </a:prstGeom>
-            <a:noFill/>
-          </p:spPr>
-          <p:txBody>
-            <a:bodyPr wrap="none" rtlCol="0">
-              <a:spAutoFit/>
-            </a:bodyPr>
-            <a:lstStyle/>
-            <a:p>
-              <a:r>
-                <a:rPr lang="en-US" sz="1050" i="1" dirty="0"/>
-                <a:t>optional</a:t>
-              </a:r>
-              <a:endParaRPr lang="en-US" sz="1100" i="1" dirty="0"/>
-            </a:p>
-          </p:txBody>
-        </p:sp>
-        <p:sp>
-          <p:nvSpPr>
-            <p:cNvPr id="108" name="TextBox 107">
-              <a:extLst>
-                <a:ext uri="{FF2B5EF4-FFF2-40B4-BE49-F238E27FC236}">
-                  <a16:creationId xmlns:a16="http://schemas.microsoft.com/office/drawing/2014/main" id="{0A2A00B3-7BF3-4285-867B-92567C8E1E16}"/>
-                </a:ext>
-              </a:extLst>
-            </p:cNvPr>
-            <p:cNvSpPr txBox="1"/>
-            <p:nvPr/>
-          </p:nvSpPr>
-          <p:spPr>
-            <a:xfrm>
-              <a:off x="3378805" y="3384436"/>
-              <a:ext cx="636713" cy="253916"/>
-            </a:xfrm>
-            <a:prstGeom prst="rect">
-              <a:avLst/>
-            </a:prstGeom>
-            <a:noFill/>
-          </p:spPr>
-          <p:txBody>
-            <a:bodyPr wrap="none" rtlCol="0">
-              <a:spAutoFit/>
-            </a:bodyPr>
-            <a:lstStyle/>
-            <a:p>
-              <a:r>
-                <a:rPr lang="en-US" sz="1050" i="1" dirty="0"/>
-                <a:t>optional</a:t>
-              </a:r>
-              <a:endParaRPr lang="en-US" sz="1100" i="1" dirty="0"/>
-            </a:p>
-          </p:txBody>
-        </p:sp>
-        <p:sp>
-          <p:nvSpPr>
-            <p:cNvPr id="109" name="TextBox 108">
-              <a:extLst>
-                <a:ext uri="{FF2B5EF4-FFF2-40B4-BE49-F238E27FC236}">
-                  <a16:creationId xmlns:a16="http://schemas.microsoft.com/office/drawing/2014/main" id="{B7FD671E-D623-40BA-A9C9-04F175821CD2}"/>
-                </a:ext>
-              </a:extLst>
-            </p:cNvPr>
-            <p:cNvSpPr txBox="1"/>
-            <p:nvPr/>
-          </p:nvSpPr>
-          <p:spPr>
-            <a:xfrm>
-              <a:off x="3569023" y="5251864"/>
-              <a:ext cx="636713" cy="253916"/>
-            </a:xfrm>
-            <a:prstGeom prst="rect">
-              <a:avLst/>
-            </a:prstGeom>
-            <a:noFill/>
-          </p:spPr>
-          <p:txBody>
-            <a:bodyPr wrap="none" rtlCol="0">
-              <a:spAutoFit/>
-            </a:bodyPr>
-            <a:lstStyle/>
-            <a:p>
-              <a:r>
-                <a:rPr lang="en-US" sz="1050" i="1" dirty="0"/>
-                <a:t>optional</a:t>
-              </a:r>
-              <a:endParaRPr lang="en-US" sz="1100" i="1" dirty="0"/>
+              <a:endParaRPr lang="en-US" dirty="0"/>
             </a:p>
           </p:txBody>
         </p:sp>
